--- a/FlaskApp/generated/Learn5.pptx
+++ b/FlaskApp/generated/Learn5.pptx
@@ -3153,15 +3153,9 @@
                 <a:tableStyleId>{5C22544A-7EE6-4342-B048-85BDC9FD1C3A}</a:tableStyleId>
               </a:tblPr>
               <a:tblGrid>
-                <a:gridCol w="965200"/>
-                <a:gridCol w="965200"/>
-                <a:gridCol w="965200"/>
-                <a:gridCol w="965200"/>
-                <a:gridCol w="965200"/>
-                <a:gridCol w="965200"/>
-                <a:gridCol w="965200"/>
-                <a:gridCol w="965200"/>
-                <a:gridCol w="965200"/>
+                <a:gridCol w="2895600"/>
+                <a:gridCol w="2895600"/>
+                <a:gridCol w="2895600"/>
               </a:tblGrid>
               <a:tr h="304800">
                 <a:tc>
@@ -3169,78 +3163,6 @@
                     <a:bodyPr/>
                     <a:lstStyle/>
                     <a:p/>
-                  </a:txBody>
-                  <a:tcPr/>
-                </a:tc>
-                <a:tc>
-                  <a:txBody>
-                    <a:bodyPr/>
-                    <a:lstStyle/>
-                    <a:p>
-                      <a:r>
-                        <a:t>Communication Skills</a:t>
-                      </a:r>
-                    </a:p>
-                  </a:txBody>
-                  <a:tcPr/>
-                </a:tc>
-                <a:tc>
-                  <a:txBody>
-                    <a:bodyPr/>
-                    <a:lstStyle/>
-                    <a:p>
-                      <a:r>
-                        <a:t>First Impressions</a:t>
-                      </a:r>
-                    </a:p>
-                  </a:txBody>
-                  <a:tcPr/>
-                </a:tc>
-                <a:tc>
-                  <a:txBody>
-                    <a:bodyPr/>
-                    <a:lstStyle/>
-                    <a:p>
-                      <a:r>
-                        <a:t>Grooming English</a:t>
-                      </a:r>
-                    </a:p>
-                  </a:txBody>
-                  <a:tcPr/>
-                </a:tc>
-                <a:tc>
-                  <a:txBody>
-                    <a:bodyPr/>
-                    <a:lstStyle/>
-                    <a:p>
-                      <a:r>
-                        <a:t>Induction</a:t>
-                      </a:r>
-                    </a:p>
-                  </a:txBody>
-                  <a:tcPr/>
-                </a:tc>
-                <a:tc>
-                  <a:txBody>
-                    <a:bodyPr/>
-                    <a:lstStyle/>
-                    <a:p>
-                      <a:r>
-                        <a:t>Interpersonal Skills</a:t>
-                      </a:r>
-                    </a:p>
-                  </a:txBody>
-                  <a:tcPr/>
-                </a:tc>
-                <a:tc>
-                  <a:txBody>
-                    <a:bodyPr/>
-                    <a:lstStyle/>
-                    <a:p>
-                      <a:r>
-                        <a:t>Listening Skills</a:t>
-                      </a:r>
-                    </a:p>
                   </a:txBody>
                   <a:tcPr/>
                 </a:tc>
@@ -3276,6 +3198,44 @@
                     <a:lstStyle/>
                     <a:p>
                       <a:r>
+                        <a:t>Bangalore</a:t>
+                      </a:r>
+                    </a:p>
+                  </a:txBody>
+                  <a:tcPr/>
+                </a:tc>
+                <a:tc>
+                  <a:txBody>
+                    <a:bodyPr/>
+                    <a:lstStyle/>
+                    <a:p>
+                      <a:r>
+                        <a:t>16625</a:t>
+                      </a:r>
+                    </a:p>
+                  </a:txBody>
+                  <a:tcPr/>
+                </a:tc>
+                <a:tc>
+                  <a:txBody>
+                    <a:bodyPr/>
+                    <a:lstStyle/>
+                    <a:p>
+                      <a:r>
+                        <a:t>16625</a:t>
+                      </a:r>
+                    </a:p>
+                  </a:txBody>
+                  <a:tcPr/>
+                </a:tc>
+              </a:tr>
+              <a:tr h="304800">
+                <a:tc>
+                  <a:txBody>
+                    <a:bodyPr/>
+                    <a:lstStyle/>
+                    <a:p>
+                      <a:r>
                         <a:t>Hyderabad</a:t>
                       </a:r>
                     </a:p>
@@ -3288,79 +3248,7 @@
                     <a:lstStyle/>
                     <a:p>
                       <a:r>
-                        <a:t>3</a:t>
-                      </a:r>
-                    </a:p>
-                  </a:txBody>
-                  <a:tcPr/>
-                </a:tc>
-                <a:tc>
-                  <a:txBody>
-                    <a:bodyPr/>
-                    <a:lstStyle/>
-                    <a:p>
-                      <a:r>
-                        <a:t>14</a:t>
-                      </a:r>
-                    </a:p>
-                  </a:txBody>
-                  <a:tcPr/>
-                </a:tc>
-                <a:tc>
-                  <a:txBody>
-                    <a:bodyPr/>
-                    <a:lstStyle/>
-                    <a:p>
-                      <a:r>
-                        <a:t>0</a:t>
-                      </a:r>
-                    </a:p>
-                  </a:txBody>
-                  <a:tcPr/>
-                </a:tc>
-                <a:tc>
-                  <a:txBody>
-                    <a:bodyPr/>
-                    <a:lstStyle/>
-                    <a:p>
-                      <a:r>
-                        <a:t>0</a:t>
-                      </a:r>
-                    </a:p>
-                  </a:txBody>
-                  <a:tcPr/>
-                </a:tc>
-                <a:tc>
-                  <a:txBody>
-                    <a:bodyPr/>
-                    <a:lstStyle/>
-                    <a:p>
-                      <a:r>
-                        <a:t>17</a:t>
-                      </a:r>
-                    </a:p>
-                  </a:txBody>
-                  <a:tcPr/>
-                </a:tc>
-                <a:tc>
-                  <a:txBody>
-                    <a:bodyPr/>
-                    <a:lstStyle/>
-                    <a:p>
-                      <a:r>
-                        <a:t>0</a:t>
-                      </a:r>
-                    </a:p>
-                  </a:txBody>
-                  <a:tcPr/>
-                </a:tc>
-                <a:tc>
-                  <a:txBody>
-                    <a:bodyPr/>
-                    <a:lstStyle/>
-                    <a:p>
-                      <a:r>
-                        <a:t>5</a:t>
+                        <a:t>39</a:t>
                       </a:r>
                     </a:p>
                   </a:txBody>
@@ -3386,189 +3274,7 @@
                     <a:lstStyle/>
                     <a:p>
                       <a:r>
-                        <a:t>Bangalore</a:t>
-                      </a:r>
-                    </a:p>
-                  </a:txBody>
-                  <a:tcPr/>
-                </a:tc>
-                <a:tc>
-                  <a:txBody>
-                    <a:bodyPr/>
-                    <a:lstStyle/>
-                    <a:p>
-                      <a:r>
-                        <a:t>0</a:t>
-                      </a:r>
-                    </a:p>
-                  </a:txBody>
-                  <a:tcPr/>
-                </a:tc>
-                <a:tc>
-                  <a:txBody>
-                    <a:bodyPr/>
-                    <a:lstStyle/>
-                    <a:p>
-                      <a:r>
-                        <a:t>79</a:t>
-                      </a:r>
-                    </a:p>
-                  </a:txBody>
-                  <a:tcPr/>
-                </a:tc>
-                <a:tc>
-                  <a:txBody>
-                    <a:bodyPr/>
-                    <a:lstStyle/>
-                    <a:p>
-                      <a:r>
-                        <a:t>91</a:t>
-                      </a:r>
-                    </a:p>
-                  </a:txBody>
-                  <a:tcPr/>
-                </a:tc>
-                <a:tc>
-                  <a:txBody>
-                    <a:bodyPr/>
-                    <a:lstStyle/>
-                    <a:p>
-                      <a:r>
-                        <a:t>22</a:t>
-                      </a:r>
-                    </a:p>
-                  </a:txBody>
-                  <a:tcPr/>
-                </a:tc>
-                <a:tc>
-                  <a:txBody>
-                    <a:bodyPr/>
-                    <a:lstStyle/>
-                    <a:p>
-                      <a:r>
-                        <a:t>6</a:t>
-                      </a:r>
-                    </a:p>
-                  </a:txBody>
-                  <a:tcPr/>
-                </a:tc>
-                <a:tc>
-                  <a:txBody>
-                    <a:bodyPr/>
-                    <a:lstStyle/>
-                    <a:p>
-                      <a:r>
-                        <a:t>2</a:t>
-                      </a:r>
-                    </a:p>
-                  </a:txBody>
-                  <a:tcPr/>
-                </a:tc>
-                <a:tc>
-                  <a:txBody>
-                    <a:bodyPr/>
-                    <a:lstStyle/>
-                    <a:p>
-                      <a:r>
-                        <a:t>16425</a:t>
-                      </a:r>
-                    </a:p>
-                  </a:txBody>
-                  <a:tcPr/>
-                </a:tc>
-                <a:tc>
-                  <a:txBody>
-                    <a:bodyPr/>
-                    <a:lstStyle/>
-                    <a:p>
-                      <a:r>
-                        <a:t>16625</a:t>
-                      </a:r>
-                    </a:p>
-                  </a:txBody>
-                  <a:tcPr/>
-                </a:tc>
-              </a:tr>
-              <a:tr h="304800">
-                <a:tc>
-                  <a:txBody>
-                    <a:bodyPr/>
-                    <a:lstStyle/>
-                    <a:p>
-                      <a:r>
                         <a:t>Administration</a:t>
-                      </a:r>
-                    </a:p>
-                  </a:txBody>
-                  <a:tcPr/>
-                </a:tc>
-                <a:tc>
-                  <a:txBody>
-                    <a:bodyPr/>
-                    <a:lstStyle/>
-                    <a:p>
-                      <a:r>
-                        <a:t>0</a:t>
-                      </a:r>
-                    </a:p>
-                  </a:txBody>
-                  <a:tcPr/>
-                </a:tc>
-                <a:tc>
-                  <a:txBody>
-                    <a:bodyPr/>
-                    <a:lstStyle/>
-                    <a:p>
-                      <a:r>
-                        <a:t>0</a:t>
-                      </a:r>
-                    </a:p>
-                  </a:txBody>
-                  <a:tcPr/>
-                </a:tc>
-                <a:tc>
-                  <a:txBody>
-                    <a:bodyPr/>
-                    <a:lstStyle/>
-                    <a:p>
-                      <a:r>
-                        <a:t>0</a:t>
-                      </a:r>
-                    </a:p>
-                  </a:txBody>
-                  <a:tcPr/>
-                </a:tc>
-                <a:tc>
-                  <a:txBody>
-                    <a:bodyPr/>
-                    <a:lstStyle/>
-                    <a:p>
-                      <a:r>
-                        <a:t>0</a:t>
-                      </a:r>
-                    </a:p>
-                  </a:txBody>
-                  <a:tcPr/>
-                </a:tc>
-                <a:tc>
-                  <a:txBody>
-                    <a:bodyPr/>
-                    <a:lstStyle/>
-                    <a:p>
-                      <a:r>
-                        <a:t>0</a:t>
-                      </a:r>
-                    </a:p>
-                  </a:txBody>
-                  <a:tcPr/>
-                </a:tc>
-                <a:tc>
-                  <a:txBody>
-                    <a:bodyPr/>
-                    <a:lstStyle/>
-                    <a:p>
-                      <a:r>
-                        <a:t>0</a:t>
                       </a:r>
                     </a:p>
                   </a:txBody>
@@ -3618,78 +3324,6 @@
                     <a:lstStyle/>
                     <a:p>
                       <a:r>
-                        <a:t>0</a:t>
-                      </a:r>
-                    </a:p>
-                  </a:txBody>
-                  <a:tcPr/>
-                </a:tc>
-                <a:tc>
-                  <a:txBody>
-                    <a:bodyPr/>
-                    <a:lstStyle/>
-                    <a:p>
-                      <a:r>
-                        <a:t>0</a:t>
-                      </a:r>
-                    </a:p>
-                  </a:txBody>
-                  <a:tcPr/>
-                </a:tc>
-                <a:tc>
-                  <a:txBody>
-                    <a:bodyPr/>
-                    <a:lstStyle/>
-                    <a:p>
-                      <a:r>
-                        <a:t>0</a:t>
-                      </a:r>
-                    </a:p>
-                  </a:txBody>
-                  <a:tcPr/>
-                </a:tc>
-                <a:tc>
-                  <a:txBody>
-                    <a:bodyPr/>
-                    <a:lstStyle/>
-                    <a:p>
-                      <a:r>
-                        <a:t>0</a:t>
-                      </a:r>
-                    </a:p>
-                  </a:txBody>
-                  <a:tcPr/>
-                </a:tc>
-                <a:tc>
-                  <a:txBody>
-                    <a:bodyPr/>
-                    <a:lstStyle/>
-                    <a:p>
-                      <a:r>
-                        <a:t>0</a:t>
-                      </a:r>
-                    </a:p>
-                  </a:txBody>
-                  <a:tcPr/>
-                </a:tc>
-                <a:tc>
-                  <a:txBody>
-                    <a:bodyPr/>
-                    <a:lstStyle/>
-                    <a:p>
-                      <a:r>
-                        <a:t>0</a:t>
-                      </a:r>
-                    </a:p>
-                  </a:txBody>
-                  <a:tcPr/>
-                </a:tc>
-                <a:tc>
-                  <a:txBody>
-                    <a:bodyPr/>
-                    <a:lstStyle/>
-                    <a:p>
-                      <a:r>
                         <a:t>4</a:t>
                       </a:r>
                     </a:p>
@@ -3728,79 +3362,7 @@
                     <a:lstStyle/>
                     <a:p>
                       <a:r>
-                        <a:t>3</a:t>
-                      </a:r>
-                    </a:p>
-                  </a:txBody>
-                  <a:tcPr/>
-                </a:tc>
-                <a:tc>
-                  <a:txBody>
-                    <a:bodyPr/>
-                    <a:lstStyle/>
-                    <a:p>
-                      <a:r>
-                        <a:t>93</a:t>
-                      </a:r>
-                    </a:p>
-                  </a:txBody>
-                  <a:tcPr/>
-                </a:tc>
-                <a:tc>
-                  <a:txBody>
-                    <a:bodyPr/>
-                    <a:lstStyle/>
-                    <a:p>
-                      <a:r>
-                        <a:t>91</a:t>
-                      </a:r>
-                    </a:p>
-                  </a:txBody>
-                  <a:tcPr/>
-                </a:tc>
-                <a:tc>
-                  <a:txBody>
-                    <a:bodyPr/>
-                    <a:lstStyle/>
-                    <a:p>
-                      <a:r>
-                        <a:t>22</a:t>
-                      </a:r>
-                    </a:p>
-                  </a:txBody>
-                  <a:tcPr/>
-                </a:tc>
-                <a:tc>
-                  <a:txBody>
-                    <a:bodyPr/>
-                    <a:lstStyle/>
-                    <a:p>
-                      <a:r>
-                        <a:t>23</a:t>
-                      </a:r>
-                    </a:p>
-                  </a:txBody>
-                  <a:tcPr/>
-                </a:tc>
-                <a:tc>
-                  <a:txBody>
-                    <a:bodyPr/>
-                    <a:lstStyle/>
-                    <a:p>
-                      <a:r>
-                        <a:t>2</a:t>
-                      </a:r>
-                    </a:p>
-                  </a:txBody>
-                  <a:tcPr/>
-                </a:tc>
-                <a:tc>
-                  <a:txBody>
-                    <a:bodyPr/>
-                    <a:lstStyle/>
-                    <a:p>
-                      <a:r>
-                        <a:t>16436</a:t>
+                        <a:t>16670</a:t>
                       </a:r>
                     </a:p>
                   </a:txBody>

--- a/FlaskApp/generated/Learn5.pptx
+++ b/FlaskApp/generated/Learn5.pptx
@@ -3134,257 +3134,6 @@
           </a:prstGeom>
         </p:spPr>
       </p:pic>
-      <p:graphicFrame>
-        <p:nvGraphicFramePr>
-          <p:cNvPr id="4" name="Table 3"/>
-          <p:cNvGraphicFramePr>
-            <a:graphicFrameLocks noGrp="1"/>
-          </p:cNvGraphicFramePr>
-          <p:nvPr/>
-        </p:nvGraphicFramePr>
-        <p:xfrm>
-          <a:off x="304495" y="1371600"/>
-          <a:ext cx="8686800" cy="1828800"/>
-        </p:xfrm>
-        <a:graphic>
-          <a:graphicData uri="http://schemas.openxmlformats.org/drawingml/2006/table">
-            <a:tbl>
-              <a:tblPr firstRow="1" bandRow="1">
-                <a:tableStyleId>{5C22544A-7EE6-4342-B048-85BDC9FD1C3A}</a:tableStyleId>
-              </a:tblPr>
-              <a:tblGrid>
-                <a:gridCol w="2895600"/>
-                <a:gridCol w="2895600"/>
-                <a:gridCol w="2895600"/>
-              </a:tblGrid>
-              <a:tr h="304800">
-                <a:tc>
-                  <a:txBody>
-                    <a:bodyPr/>
-                    <a:lstStyle/>
-                    <a:p/>
-                  </a:txBody>
-                  <a:tcPr/>
-                </a:tc>
-                <a:tc>
-                  <a:txBody>
-                    <a:bodyPr/>
-                    <a:lstStyle/>
-                    <a:p>
-                      <a:r>
-                        <a:t>Not on Learn</a:t>
-                      </a:r>
-                    </a:p>
-                  </a:txBody>
-                  <a:tcPr/>
-                </a:tc>
-                <a:tc>
-                  <a:txBody>
-                    <a:bodyPr/>
-                    <a:lstStyle/>
-                    <a:p>
-                      <a:r>
-                        <a:t>Total</a:t>
-                      </a:r>
-                    </a:p>
-                  </a:txBody>
-                  <a:tcPr/>
-                </a:tc>
-              </a:tr>
-              <a:tr h="304800">
-                <a:tc>
-                  <a:txBody>
-                    <a:bodyPr/>
-                    <a:lstStyle/>
-                    <a:p>
-                      <a:r>
-                        <a:t>Bangalore</a:t>
-                      </a:r>
-                    </a:p>
-                  </a:txBody>
-                  <a:tcPr/>
-                </a:tc>
-                <a:tc>
-                  <a:txBody>
-                    <a:bodyPr/>
-                    <a:lstStyle/>
-                    <a:p>
-                      <a:r>
-                        <a:t>16625</a:t>
-                      </a:r>
-                    </a:p>
-                  </a:txBody>
-                  <a:tcPr/>
-                </a:tc>
-                <a:tc>
-                  <a:txBody>
-                    <a:bodyPr/>
-                    <a:lstStyle/>
-                    <a:p>
-                      <a:r>
-                        <a:t>16625</a:t>
-                      </a:r>
-                    </a:p>
-                  </a:txBody>
-                  <a:tcPr/>
-                </a:tc>
-              </a:tr>
-              <a:tr h="304800">
-                <a:tc>
-                  <a:txBody>
-                    <a:bodyPr/>
-                    <a:lstStyle/>
-                    <a:p>
-                      <a:r>
-                        <a:t>Hyderabad</a:t>
-                      </a:r>
-                    </a:p>
-                  </a:txBody>
-                  <a:tcPr/>
-                </a:tc>
-                <a:tc>
-                  <a:txBody>
-                    <a:bodyPr/>
-                    <a:lstStyle/>
-                    <a:p>
-                      <a:r>
-                        <a:t>39</a:t>
-                      </a:r>
-                    </a:p>
-                  </a:txBody>
-                  <a:tcPr/>
-                </a:tc>
-                <a:tc>
-                  <a:txBody>
-                    <a:bodyPr/>
-                    <a:lstStyle/>
-                    <a:p>
-                      <a:r>
-                        <a:t>39</a:t>
-                      </a:r>
-                    </a:p>
-                  </a:txBody>
-                  <a:tcPr/>
-                </a:tc>
-              </a:tr>
-              <a:tr h="304800">
-                <a:tc>
-                  <a:txBody>
-                    <a:bodyPr/>
-                    <a:lstStyle/>
-                    <a:p>
-                      <a:r>
-                        <a:t>Administration</a:t>
-                      </a:r>
-                    </a:p>
-                  </a:txBody>
-                  <a:tcPr/>
-                </a:tc>
-                <a:tc>
-                  <a:txBody>
-                    <a:bodyPr/>
-                    <a:lstStyle/>
-                    <a:p>
-                      <a:r>
-                        <a:t>2</a:t>
-                      </a:r>
-                    </a:p>
-                  </a:txBody>
-                  <a:tcPr/>
-                </a:tc>
-                <a:tc>
-                  <a:txBody>
-                    <a:bodyPr/>
-                    <a:lstStyle/>
-                    <a:p>
-                      <a:r>
-                        <a:t>2</a:t>
-                      </a:r>
-                    </a:p>
-                  </a:txBody>
-                  <a:tcPr/>
-                </a:tc>
-              </a:tr>
-              <a:tr h="304800">
-                <a:tc>
-                  <a:txBody>
-                    <a:bodyPr/>
-                    <a:lstStyle/>
-                    <a:p>
-                      <a:r>
-                        <a:t>Delhi</a:t>
-                      </a:r>
-                    </a:p>
-                  </a:txBody>
-                  <a:tcPr/>
-                </a:tc>
-                <a:tc>
-                  <a:txBody>
-                    <a:bodyPr/>
-                    <a:lstStyle/>
-                    <a:p>
-                      <a:r>
-                        <a:t>4</a:t>
-                      </a:r>
-                    </a:p>
-                  </a:txBody>
-                  <a:tcPr/>
-                </a:tc>
-                <a:tc>
-                  <a:txBody>
-                    <a:bodyPr/>
-                    <a:lstStyle/>
-                    <a:p>
-                      <a:r>
-                        <a:t>4</a:t>
-                      </a:r>
-                    </a:p>
-                  </a:txBody>
-                  <a:tcPr/>
-                </a:tc>
-              </a:tr>
-              <a:tr h="304800">
-                <a:tc>
-                  <a:txBody>
-                    <a:bodyPr/>
-                    <a:lstStyle/>
-                    <a:p>
-                      <a:r>
-                        <a:t>Total</a:t>
-                      </a:r>
-                    </a:p>
-                  </a:txBody>
-                  <a:tcPr/>
-                </a:tc>
-                <a:tc>
-                  <a:txBody>
-                    <a:bodyPr/>
-                    <a:lstStyle/>
-                    <a:p>
-                      <a:r>
-                        <a:t>16670</a:t>
-                      </a:r>
-                    </a:p>
-                  </a:txBody>
-                  <a:tcPr/>
-                </a:tc>
-                <a:tc>
-                  <a:txBody>
-                    <a:bodyPr/>
-                    <a:lstStyle/>
-                    <a:p>
-                      <a:r>
-                        <a:t>16670</a:t>
-                      </a:r>
-                    </a:p>
-                  </a:txBody>
-                  <a:tcPr/>
-                </a:tc>
-              </a:tr>
-            </a:tbl>
-          </a:graphicData>
-        </a:graphic>
-      </p:graphicFrame>
     </p:spTree>
   </p:cSld>
   <p:clrMapOvr>

--- a/FlaskApp/generated/Learn5.pptx
+++ b/FlaskApp/generated/Learn5.pptx
@@ -6,6 +6,13 @@
   </p:sldMasterIdLst>
   <p:sldIdLst>
     <p:sldId id="256" r:id="rId7"/>
+    <p:sldId id="257" r:id="rId8"/>
+    <p:sldId id="258" r:id="rId9"/>
+    <p:sldId id="259" r:id="rId10"/>
+    <p:sldId id="260" r:id="rId11"/>
+    <p:sldId id="261" r:id="rId12"/>
+    <p:sldId id="262" r:id="rId13"/>
+    <p:sldId id="263" r:id="rId14"/>
   </p:sldIdLst>
   <p:sldSz cx="9144000" cy="6858000" type="screen4x3"/>
   <p:notesSz cx="6858000" cy="9144000"/>
@@ -3134,6 +3141,4466 @@
           </a:prstGeom>
         </p:spPr>
       </p:pic>
+      <p:graphicFrame>
+        <p:nvGraphicFramePr>
+          <p:cNvPr id="4" name="Table 3"/>
+          <p:cNvGraphicFramePr>
+            <a:graphicFrameLocks noGrp="1"/>
+          </p:cNvGraphicFramePr>
+          <p:nvPr/>
+        </p:nvGraphicFramePr>
+        <p:xfrm>
+          <a:off x="304495" y="1371600"/>
+          <a:ext cx="8686800" cy="1828800"/>
+        </p:xfrm>
+        <a:graphic>
+          <a:graphicData uri="http://schemas.openxmlformats.org/drawingml/2006/table">
+            <a:tbl>
+              <a:tblPr firstRow="1" bandRow="1">
+                <a:tableStyleId>{5C22544A-7EE6-4342-B048-85BDC9FD1C3A}</a:tableStyleId>
+              </a:tblPr>
+              <a:tblGrid>
+                <a:gridCol w="1447800"/>
+                <a:gridCol w="1447800"/>
+                <a:gridCol w="1447800"/>
+                <a:gridCol w="1447800"/>
+                <a:gridCol w="1447800"/>
+                <a:gridCol w="1447800"/>
+              </a:tblGrid>
+              <a:tr h="182880">
+                <a:tc>
+                  <a:txBody>
+                    <a:bodyPr/>
+                    <a:lstStyle/>
+                    <a:p/>
+                  </a:txBody>
+                  <a:tcPr/>
+                </a:tc>
+                <a:tc>
+                  <a:txBody>
+                    <a:bodyPr/>
+                    <a:lstStyle/>
+                    <a:p>
+                      <a:r>
+                        <a:t>Active Listening</a:t>
+                      </a:r>
+                    </a:p>
+                  </a:txBody>
+                  <a:tcPr/>
+                </a:tc>
+                <a:tc>
+                  <a:txBody>
+                    <a:bodyPr/>
+                    <a:lstStyle/>
+                    <a:p>
+                      <a:r>
+                        <a:t>Coping with Change</a:t>
+                      </a:r>
+                    </a:p>
+                  </a:txBody>
+                  <a:tcPr/>
+                </a:tc>
+                <a:tc>
+                  <a:txBody>
+                    <a:bodyPr/>
+                    <a:lstStyle/>
+                    <a:p>
+                      <a:r>
+                        <a:t>Dealing with Crises</a:t>
+                      </a:r>
+                    </a:p>
+                  </a:txBody>
+                  <a:tcPr/>
+                </a:tc>
+                <a:tc>
+                  <a:txBody>
+                    <a:bodyPr/>
+                    <a:lstStyle/>
+                    <a:p>
+                      <a:r>
+                        <a:t>Excellence</a:t>
+                      </a:r>
+                    </a:p>
+                  </a:txBody>
+                  <a:tcPr/>
+                </a:tc>
+                <a:tc>
+                  <a:txBody>
+                    <a:bodyPr/>
+                    <a:lstStyle/>
+                    <a:p>
+                      <a:r>
+                        <a:t>Feedback Skills</a:t>
+                      </a:r>
+                    </a:p>
+                  </a:txBody>
+                  <a:tcPr/>
+                </a:tc>
+              </a:tr>
+              <a:tr h="182880">
+                <a:tc>
+                  <a:txBody>
+                    <a:bodyPr/>
+                    <a:lstStyle/>
+                    <a:p>
+                      <a:r>
+                        <a:t>Arcolab</a:t>
+                      </a:r>
+                    </a:p>
+                  </a:txBody>
+                  <a:tcPr/>
+                </a:tc>
+                <a:tc>
+                  <a:txBody>
+                    <a:bodyPr/>
+                    <a:lstStyle/>
+                    <a:p>
+                      <a:r>
+                        <a:t>0</a:t>
+                      </a:r>
+                    </a:p>
+                  </a:txBody>
+                  <a:tcPr/>
+                </a:tc>
+                <a:tc>
+                  <a:txBody>
+                    <a:bodyPr/>
+                    <a:lstStyle/>
+                    <a:p>
+                      <a:r>
+                        <a:t>0</a:t>
+                      </a:r>
+                    </a:p>
+                  </a:txBody>
+                  <a:tcPr/>
+                </a:tc>
+                <a:tc>
+                  <a:txBody>
+                    <a:bodyPr/>
+                    <a:lstStyle/>
+                    <a:p>
+                      <a:r>
+                        <a:t>0</a:t>
+                      </a:r>
+                    </a:p>
+                  </a:txBody>
+                  <a:tcPr/>
+                </a:tc>
+                <a:tc>
+                  <a:txBody>
+                    <a:bodyPr/>
+                    <a:lstStyle/>
+                    <a:p>
+                      <a:r>
+                        <a:t>0</a:t>
+                      </a:r>
+                    </a:p>
+                  </a:txBody>
+                  <a:tcPr/>
+                </a:tc>
+                <a:tc>
+                  <a:txBody>
+                    <a:bodyPr/>
+                    <a:lstStyle/>
+                    <a:p>
+                      <a:r>
+                        <a:t>0</a:t>
+                      </a:r>
+                    </a:p>
+                  </a:txBody>
+                  <a:tcPr/>
+                </a:tc>
+              </a:tr>
+              <a:tr h="182880">
+                <a:tc>
+                  <a:txBody>
+                    <a:bodyPr/>
+                    <a:lstStyle/>
+                    <a:p>
+                      <a:r>
+                        <a:t>Krsg</a:t>
+                      </a:r>
+                    </a:p>
+                  </a:txBody>
+                  <a:tcPr/>
+                </a:tc>
+                <a:tc>
+                  <a:txBody>
+                    <a:bodyPr/>
+                    <a:lstStyle/>
+                    <a:p>
+                      <a:r>
+                        <a:t>0</a:t>
+                      </a:r>
+                    </a:p>
+                  </a:txBody>
+                  <a:tcPr/>
+                </a:tc>
+                <a:tc>
+                  <a:txBody>
+                    <a:bodyPr/>
+                    <a:lstStyle/>
+                    <a:p>
+                      <a:r>
+                        <a:t>0</a:t>
+                      </a:r>
+                    </a:p>
+                  </a:txBody>
+                  <a:tcPr/>
+                </a:tc>
+                <a:tc>
+                  <a:txBody>
+                    <a:bodyPr/>
+                    <a:lstStyle/>
+                    <a:p>
+                      <a:r>
+                        <a:t>0</a:t>
+                      </a:r>
+                    </a:p>
+                  </a:txBody>
+                  <a:tcPr/>
+                </a:tc>
+                <a:tc>
+                  <a:txBody>
+                    <a:bodyPr/>
+                    <a:lstStyle/>
+                    <a:p>
+                      <a:r>
+                        <a:t>0</a:t>
+                      </a:r>
+                    </a:p>
+                  </a:txBody>
+                  <a:tcPr/>
+                </a:tc>
+                <a:tc>
+                  <a:txBody>
+                    <a:bodyPr/>
+                    <a:lstStyle/>
+                    <a:p>
+                      <a:r>
+                        <a:t>0</a:t>
+                      </a:r>
+                    </a:p>
+                  </a:txBody>
+                  <a:tcPr/>
+                </a:tc>
+              </a:tr>
+              <a:tr h="182880">
+                <a:tc>
+                  <a:txBody>
+                    <a:bodyPr/>
+                    <a:lstStyle/>
+                    <a:p>
+                      <a:r>
+                        <a:t>Alathur</a:t>
+                      </a:r>
+                    </a:p>
+                  </a:txBody>
+                  <a:tcPr/>
+                </a:tc>
+                <a:tc>
+                  <a:txBody>
+                    <a:bodyPr/>
+                    <a:lstStyle/>
+                    <a:p>
+                      <a:r>
+                        <a:t>0</a:t>
+                      </a:r>
+                    </a:p>
+                  </a:txBody>
+                  <a:tcPr/>
+                </a:tc>
+                <a:tc>
+                  <a:txBody>
+                    <a:bodyPr/>
+                    <a:lstStyle/>
+                    <a:p>
+                      <a:r>
+                        <a:t>47</a:t>
+                      </a:r>
+                    </a:p>
+                  </a:txBody>
+                  <a:tcPr/>
+                </a:tc>
+                <a:tc>
+                  <a:txBody>
+                    <a:bodyPr/>
+                    <a:lstStyle/>
+                    <a:p>
+                      <a:r>
+                        <a:t>7</a:t>
+                      </a:r>
+                    </a:p>
+                  </a:txBody>
+                  <a:tcPr/>
+                </a:tc>
+                <a:tc>
+                  <a:txBody>
+                    <a:bodyPr/>
+                    <a:lstStyle/>
+                    <a:p>
+                      <a:r>
+                        <a:t>0</a:t>
+                      </a:r>
+                    </a:p>
+                  </a:txBody>
+                  <a:tcPr/>
+                </a:tc>
+                <a:tc>
+                  <a:txBody>
+                    <a:bodyPr/>
+                    <a:lstStyle/>
+                    <a:p>
+                      <a:r>
+                        <a:t>13</a:t>
+                      </a:r>
+                    </a:p>
+                  </a:txBody>
+                  <a:tcPr/>
+                </a:tc>
+              </a:tr>
+              <a:tr h="182880">
+                <a:tc>
+                  <a:txBody>
+                    <a:bodyPr/>
+                    <a:lstStyle/>
+                    <a:p>
+                      <a:r>
+                        <a:t>Corporate</a:t>
+                      </a:r>
+                    </a:p>
+                  </a:txBody>
+                  <a:tcPr/>
+                </a:tc>
+                <a:tc>
+                  <a:txBody>
+                    <a:bodyPr/>
+                    <a:lstStyle/>
+                    <a:p>
+                      <a:r>
+                        <a:t>0</a:t>
+                      </a:r>
+                    </a:p>
+                  </a:txBody>
+                  <a:tcPr/>
+                </a:tc>
+                <a:tc>
+                  <a:txBody>
+                    <a:bodyPr/>
+                    <a:lstStyle/>
+                    <a:p>
+                      <a:r>
+                        <a:t>8</a:t>
+                      </a:r>
+                    </a:p>
+                  </a:txBody>
+                  <a:tcPr/>
+                </a:tc>
+                <a:tc>
+                  <a:txBody>
+                    <a:bodyPr/>
+                    <a:lstStyle/>
+                    <a:p>
+                      <a:r>
+                        <a:t>11</a:t>
+                      </a:r>
+                    </a:p>
+                  </a:txBody>
+                  <a:tcPr/>
+                </a:tc>
+                <a:tc>
+                  <a:txBody>
+                    <a:bodyPr/>
+                    <a:lstStyle/>
+                    <a:p>
+                      <a:r>
+                        <a:t>1</a:t>
+                      </a:r>
+                    </a:p>
+                  </a:txBody>
+                  <a:tcPr/>
+                </a:tc>
+                <a:tc>
+                  <a:txBody>
+                    <a:bodyPr/>
+                    <a:lstStyle/>
+                    <a:p>
+                      <a:r>
+                        <a:t>13</a:t>
+                      </a:r>
+                    </a:p>
+                  </a:txBody>
+                  <a:tcPr/>
+                </a:tc>
+              </a:tr>
+              <a:tr h="182880">
+                <a:tc>
+                  <a:txBody>
+                    <a:bodyPr/>
+                    <a:lstStyle/>
+                    <a:p>
+                      <a:r>
+                        <a:t>Other</a:t>
+                      </a:r>
+                    </a:p>
+                  </a:txBody>
+                  <a:tcPr/>
+                </a:tc>
+                <a:tc>
+                  <a:txBody>
+                    <a:bodyPr/>
+                    <a:lstStyle/>
+                    <a:p>
+                      <a:r>
+                        <a:t>0</a:t>
+                      </a:r>
+                    </a:p>
+                  </a:txBody>
+                  <a:tcPr/>
+                </a:tc>
+                <a:tc>
+                  <a:txBody>
+                    <a:bodyPr/>
+                    <a:lstStyle/>
+                    <a:p>
+                      <a:r>
+                        <a:t>3</a:t>
+                      </a:r>
+                    </a:p>
+                  </a:txBody>
+                  <a:tcPr/>
+                </a:tc>
+                <a:tc>
+                  <a:txBody>
+                    <a:bodyPr/>
+                    <a:lstStyle/>
+                    <a:p>
+                      <a:r>
+                        <a:t>0</a:t>
+                      </a:r>
+                    </a:p>
+                  </a:txBody>
+                  <a:tcPr/>
+                </a:tc>
+                <a:tc>
+                  <a:txBody>
+                    <a:bodyPr/>
+                    <a:lstStyle/>
+                    <a:p>
+                      <a:r>
+                        <a:t>0</a:t>
+                      </a:r>
+                    </a:p>
+                  </a:txBody>
+                  <a:tcPr/>
+                </a:tc>
+                <a:tc>
+                  <a:txBody>
+                    <a:bodyPr/>
+                    <a:lstStyle/>
+                    <a:p>
+                      <a:r>
+                        <a:t>0</a:t>
+                      </a:r>
+                    </a:p>
+                  </a:txBody>
+                  <a:tcPr/>
+                </a:tc>
+              </a:tr>
+              <a:tr h="182880">
+                <a:tc>
+                  <a:txBody>
+                    <a:bodyPr/>
+                    <a:lstStyle/>
+                    <a:p>
+                      <a:r>
+                        <a:t>Pondy formulations</a:t>
+                      </a:r>
+                    </a:p>
+                  </a:txBody>
+                  <a:tcPr/>
+                </a:tc>
+                <a:tc>
+                  <a:txBody>
+                    <a:bodyPr/>
+                    <a:lstStyle/>
+                    <a:p>
+                      <a:r>
+                        <a:t>0</a:t>
+                      </a:r>
+                    </a:p>
+                  </a:txBody>
+                  <a:tcPr/>
+                </a:tc>
+                <a:tc>
+                  <a:txBody>
+                    <a:bodyPr/>
+                    <a:lstStyle/>
+                    <a:p>
+                      <a:r>
+                        <a:t>0</a:t>
+                      </a:r>
+                    </a:p>
+                  </a:txBody>
+                  <a:tcPr/>
+                </a:tc>
+                <a:tc>
+                  <a:txBody>
+                    <a:bodyPr/>
+                    <a:lstStyle/>
+                    <a:p>
+                      <a:r>
+                        <a:t>0</a:t>
+                      </a:r>
+                    </a:p>
+                  </a:txBody>
+                  <a:tcPr/>
+                </a:tc>
+                <a:tc>
+                  <a:txBody>
+                    <a:bodyPr/>
+                    <a:lstStyle/>
+                    <a:p>
+                      <a:r>
+                        <a:t>0</a:t>
+                      </a:r>
+                    </a:p>
+                  </a:txBody>
+                  <a:tcPr/>
+                </a:tc>
+                <a:tc>
+                  <a:txBody>
+                    <a:bodyPr/>
+                    <a:lstStyle/>
+                    <a:p>
+                      <a:r>
+                        <a:t>0</a:t>
+                      </a:r>
+                    </a:p>
+                  </a:txBody>
+                  <a:tcPr/>
+                </a:tc>
+              </a:tr>
+              <a:tr h="182880">
+                <a:tc>
+                  <a:txBody>
+                    <a:bodyPr/>
+                    <a:lstStyle/>
+                    <a:p>
+                      <a:r>
+                        <a:t>R&amp;d</a:t>
+                      </a:r>
+                    </a:p>
+                  </a:txBody>
+                  <a:tcPr/>
+                </a:tc>
+                <a:tc>
+                  <a:txBody>
+                    <a:bodyPr/>
+                    <a:lstStyle/>
+                    <a:p>
+                      <a:r>
+                        <a:t>0</a:t>
+                      </a:r>
+                    </a:p>
+                  </a:txBody>
+                  <a:tcPr/>
+                </a:tc>
+                <a:tc>
+                  <a:txBody>
+                    <a:bodyPr/>
+                    <a:lstStyle/>
+                    <a:p>
+                      <a:r>
+                        <a:t>0</a:t>
+                      </a:r>
+                    </a:p>
+                  </a:txBody>
+                  <a:tcPr/>
+                </a:tc>
+                <a:tc>
+                  <a:txBody>
+                    <a:bodyPr/>
+                    <a:lstStyle/>
+                    <a:p>
+                      <a:r>
+                        <a:t>0</a:t>
+                      </a:r>
+                    </a:p>
+                  </a:txBody>
+                  <a:tcPr/>
+                </a:tc>
+                <a:tc>
+                  <a:txBody>
+                    <a:bodyPr/>
+                    <a:lstStyle/>
+                    <a:p>
+                      <a:r>
+                        <a:t>0</a:t>
+                      </a:r>
+                    </a:p>
+                  </a:txBody>
+                  <a:tcPr/>
+                </a:tc>
+                <a:tc>
+                  <a:txBody>
+                    <a:bodyPr/>
+                    <a:lstStyle/>
+                    <a:p>
+                      <a:r>
+                        <a:t>0</a:t>
+                      </a:r>
+                    </a:p>
+                  </a:txBody>
+                  <a:tcPr/>
+                </a:tc>
+              </a:tr>
+              <a:tr h="182880">
+                <a:tc>
+                  <a:txBody>
+                    <a:bodyPr/>
+                    <a:lstStyle/>
+                    <a:p>
+                      <a:r>
+                        <a:t>Seml</a:t>
+                      </a:r>
+                    </a:p>
+                  </a:txBody>
+                  <a:tcPr/>
+                </a:tc>
+                <a:tc>
+                  <a:txBody>
+                    <a:bodyPr/>
+                    <a:lstStyle/>
+                    <a:p>
+                      <a:r>
+                        <a:t>0</a:t>
+                      </a:r>
+                    </a:p>
+                  </a:txBody>
+                  <a:tcPr/>
+                </a:tc>
+                <a:tc>
+                  <a:txBody>
+                    <a:bodyPr/>
+                    <a:lstStyle/>
+                    <a:p>
+                      <a:r>
+                        <a:t>0</a:t>
+                      </a:r>
+                    </a:p>
+                  </a:txBody>
+                  <a:tcPr/>
+                </a:tc>
+                <a:tc>
+                  <a:txBody>
+                    <a:bodyPr/>
+                    <a:lstStyle/>
+                    <a:p>
+                      <a:r>
+                        <a:t>0</a:t>
+                      </a:r>
+                    </a:p>
+                  </a:txBody>
+                  <a:tcPr/>
+                </a:tc>
+                <a:tc>
+                  <a:txBody>
+                    <a:bodyPr/>
+                    <a:lstStyle/>
+                    <a:p>
+                      <a:r>
+                        <a:t>0</a:t>
+                      </a:r>
+                    </a:p>
+                  </a:txBody>
+                  <a:tcPr/>
+                </a:tc>
+                <a:tc>
+                  <a:txBody>
+                    <a:bodyPr/>
+                    <a:lstStyle/>
+                    <a:p>
+                      <a:r>
+                        <a:t>0</a:t>
+                      </a:r>
+                    </a:p>
+                  </a:txBody>
+                  <a:tcPr/>
+                </a:tc>
+              </a:tr>
+              <a:tr h="182880">
+                <a:tc>
+                  <a:txBody>
+                    <a:bodyPr/>
+                    <a:lstStyle/>
+                    <a:p>
+                      <a:r>
+                        <a:t>Total</a:t>
+                      </a:r>
+                    </a:p>
+                  </a:txBody>
+                  <a:tcPr/>
+                </a:tc>
+                <a:tc>
+                  <a:txBody>
+                    <a:bodyPr/>
+                    <a:lstStyle/>
+                    <a:p>
+                      <a:r>
+                        <a:t>0</a:t>
+                      </a:r>
+                    </a:p>
+                  </a:txBody>
+                  <a:tcPr/>
+                </a:tc>
+                <a:tc>
+                  <a:txBody>
+                    <a:bodyPr/>
+                    <a:lstStyle/>
+                    <a:p>
+                      <a:r>
+                        <a:t>58</a:t>
+                      </a:r>
+                    </a:p>
+                  </a:txBody>
+                  <a:tcPr/>
+                </a:tc>
+                <a:tc>
+                  <a:txBody>
+                    <a:bodyPr/>
+                    <a:lstStyle/>
+                    <a:p>
+                      <a:r>
+                        <a:t>18</a:t>
+                      </a:r>
+                    </a:p>
+                  </a:txBody>
+                  <a:tcPr/>
+                </a:tc>
+                <a:tc>
+                  <a:txBody>
+                    <a:bodyPr/>
+                    <a:lstStyle/>
+                    <a:p>
+                      <a:r>
+                        <a:t>1</a:t>
+                      </a:r>
+                    </a:p>
+                  </a:txBody>
+                  <a:tcPr/>
+                </a:tc>
+                <a:tc>
+                  <a:txBody>
+                    <a:bodyPr/>
+                    <a:lstStyle/>
+                    <a:p>
+                      <a:r>
+                        <a:t>26</a:t>
+                      </a:r>
+                    </a:p>
+                  </a:txBody>
+                  <a:tcPr/>
+                </a:tc>
+              </a:tr>
+            </a:tbl>
+          </a:graphicData>
+        </a:graphic>
+      </p:graphicFrame>
+    </p:spTree>
+  </p:cSld>
+  <p:clrMapOvr>
+    <a:masterClrMapping/>
+  </p:clrMapOvr>
+</p:sld>
+</file>
+
+<file path=ppt/slides/slide2.xml><?xml version="1.0" encoding="utf-8"?>
+<p:sld xmlns:a="http://schemas.openxmlformats.org/drawingml/2006/main" xmlns:p="http://schemas.openxmlformats.org/presentationml/2006/main" xmlns:r="http://schemas.openxmlformats.org/officeDocument/2006/relationships">
+  <p:cSld>
+    <p:spTree>
+      <p:nvGrpSpPr>
+        <p:cNvPr id="1" name=""/>
+        <p:cNvGrpSpPr/>
+        <p:nvPr/>
+      </p:nvGrpSpPr>
+      <p:grpSpPr/>
+      <p:sp>
+        <p:nvSpPr>
+          <p:cNvPr id="2" name="Title 1"/>
+          <p:cNvSpPr>
+            <a:spLocks noGrp="1"/>
+          </p:cNvSpPr>
+          <p:nvPr>
+            <p:ph type="title"/>
+          </p:nvPr>
+        </p:nvSpPr>
+        <p:spPr/>
+        <p:txBody>
+          <a:bodyPr/>
+          <a:lstStyle/>
+          <a:p>
+            <a:r>
+              <a:rPr sz="4400" b="1"/>
+              <a:t>Learn Status Continued</a:t>
+            </a:r>
+          </a:p>
+        </p:txBody>
+      </p:sp>
+      <p:pic>
+        <p:nvPicPr>
+          <p:cNvPr id="3" name="Picture 2" descr="SeekLogo.png"/>
+          <p:cNvPicPr>
+            <a:picLocks noChangeAspect="1"/>
+          </p:cNvPicPr>
+          <p:nvPr/>
+        </p:nvPicPr>
+        <p:blipFill>
+          <a:blip r:embed="rId2"/>
+          <a:stretch>
+            <a:fillRect/>
+          </a:stretch>
+        </p:blipFill>
+        <p:spPr>
+          <a:xfrm>
+            <a:off x="8293608" y="18288"/>
+            <a:ext cx="841248" cy="768096"/>
+          </a:xfrm>
+          <a:prstGeom prst="rect">
+            <a:avLst/>
+          </a:prstGeom>
+        </p:spPr>
+      </p:pic>
+      <p:graphicFrame>
+        <p:nvGraphicFramePr>
+          <p:cNvPr id="4" name="Table 3"/>
+          <p:cNvGraphicFramePr>
+            <a:graphicFrameLocks noGrp="1"/>
+          </p:cNvGraphicFramePr>
+          <p:nvPr/>
+        </p:nvGraphicFramePr>
+        <p:xfrm>
+          <a:off x="304495" y="1371600"/>
+          <a:ext cx="8686800" cy="1828800"/>
+        </p:xfrm>
+        <a:graphic>
+          <a:graphicData uri="http://schemas.openxmlformats.org/drawingml/2006/table">
+            <a:tbl>
+              <a:tblPr firstRow="1" bandRow="1">
+                <a:tableStyleId>{5C22544A-7EE6-4342-B048-85BDC9FD1C3A}</a:tableStyleId>
+              </a:tblPr>
+              <a:tblGrid>
+                <a:gridCol w="1447800"/>
+                <a:gridCol w="1447800"/>
+                <a:gridCol w="1447800"/>
+                <a:gridCol w="1447800"/>
+                <a:gridCol w="1447800"/>
+                <a:gridCol w="1447800"/>
+              </a:tblGrid>
+              <a:tr h="182880">
+                <a:tc>
+                  <a:txBody>
+                    <a:bodyPr/>
+                    <a:lstStyle/>
+                    <a:p/>
+                  </a:txBody>
+                  <a:tcPr/>
+                </a:tc>
+                <a:tc>
+                  <a:txBody>
+                    <a:bodyPr/>
+                    <a:lstStyle/>
+                    <a:p>
+                      <a:r>
+                        <a:t>First Impressions</a:t>
+                      </a:r>
+                    </a:p>
+                  </a:txBody>
+                  <a:tcPr/>
+                </a:tc>
+                <a:tc>
+                  <a:txBody>
+                    <a:bodyPr/>
+                    <a:lstStyle/>
+                    <a:p>
+                      <a:r>
+                        <a:t>Getting to Yes</a:t>
+                      </a:r>
+                    </a:p>
+                  </a:txBody>
+                  <a:tcPr/>
+                </a:tc>
+                <a:tc>
+                  <a:txBody>
+                    <a:bodyPr/>
+                    <a:lstStyle/>
+                    <a:p>
+                      <a:r>
+                        <a:t>Goal Setting</a:t>
+                      </a:r>
+                    </a:p>
+                  </a:txBody>
+                  <a:tcPr/>
+                </a:tc>
+                <a:tc>
+                  <a:txBody>
+                    <a:bodyPr/>
+                    <a:lstStyle/>
+                    <a:p>
+                      <a:r>
+                        <a:t>Gratitude For Success</a:t>
+                      </a:r>
+                    </a:p>
+                  </a:txBody>
+                  <a:tcPr/>
+                </a:tc>
+                <a:tc>
+                  <a:txBody>
+                    <a:bodyPr/>
+                    <a:lstStyle/>
+                    <a:p>
+                      <a:r>
+                        <a:t>Induction</a:t>
+                      </a:r>
+                    </a:p>
+                  </a:txBody>
+                  <a:tcPr/>
+                </a:tc>
+              </a:tr>
+              <a:tr h="182880">
+                <a:tc>
+                  <a:txBody>
+                    <a:bodyPr/>
+                    <a:lstStyle/>
+                    <a:p>
+                      <a:r>
+                        <a:t>Arcolab</a:t>
+                      </a:r>
+                    </a:p>
+                  </a:txBody>
+                  <a:tcPr/>
+                </a:tc>
+                <a:tc>
+                  <a:txBody>
+                    <a:bodyPr/>
+                    <a:lstStyle/>
+                    <a:p>
+                      <a:r>
+                        <a:t>0</a:t>
+                      </a:r>
+                    </a:p>
+                  </a:txBody>
+                  <a:tcPr/>
+                </a:tc>
+                <a:tc>
+                  <a:txBody>
+                    <a:bodyPr/>
+                    <a:lstStyle/>
+                    <a:p>
+                      <a:r>
+                        <a:t>0</a:t>
+                      </a:r>
+                    </a:p>
+                  </a:txBody>
+                  <a:tcPr/>
+                </a:tc>
+                <a:tc>
+                  <a:txBody>
+                    <a:bodyPr/>
+                    <a:lstStyle/>
+                    <a:p>
+                      <a:r>
+                        <a:t>0</a:t>
+                      </a:r>
+                    </a:p>
+                  </a:txBody>
+                  <a:tcPr/>
+                </a:tc>
+                <a:tc>
+                  <a:txBody>
+                    <a:bodyPr/>
+                    <a:lstStyle/>
+                    <a:p>
+                      <a:r>
+                        <a:t>0</a:t>
+                      </a:r>
+                    </a:p>
+                  </a:txBody>
+                  <a:tcPr/>
+                </a:tc>
+                <a:tc>
+                  <a:txBody>
+                    <a:bodyPr/>
+                    <a:lstStyle/>
+                    <a:p>
+                      <a:r>
+                        <a:t>0</a:t>
+                      </a:r>
+                    </a:p>
+                  </a:txBody>
+                  <a:tcPr/>
+                </a:tc>
+              </a:tr>
+              <a:tr h="182880">
+                <a:tc>
+                  <a:txBody>
+                    <a:bodyPr/>
+                    <a:lstStyle/>
+                    <a:p>
+                      <a:r>
+                        <a:t>Krsg</a:t>
+                      </a:r>
+                    </a:p>
+                  </a:txBody>
+                  <a:tcPr/>
+                </a:tc>
+                <a:tc>
+                  <a:txBody>
+                    <a:bodyPr/>
+                    <a:lstStyle/>
+                    <a:p>
+                      <a:r>
+                        <a:t>0</a:t>
+                      </a:r>
+                    </a:p>
+                  </a:txBody>
+                  <a:tcPr/>
+                </a:tc>
+                <a:tc>
+                  <a:txBody>
+                    <a:bodyPr/>
+                    <a:lstStyle/>
+                    <a:p>
+                      <a:r>
+                        <a:t>0</a:t>
+                      </a:r>
+                    </a:p>
+                  </a:txBody>
+                  <a:tcPr/>
+                </a:tc>
+                <a:tc>
+                  <a:txBody>
+                    <a:bodyPr/>
+                    <a:lstStyle/>
+                    <a:p>
+                      <a:r>
+                        <a:t>0</a:t>
+                      </a:r>
+                    </a:p>
+                  </a:txBody>
+                  <a:tcPr/>
+                </a:tc>
+                <a:tc>
+                  <a:txBody>
+                    <a:bodyPr/>
+                    <a:lstStyle/>
+                    <a:p>
+                      <a:r>
+                        <a:t>0</a:t>
+                      </a:r>
+                    </a:p>
+                  </a:txBody>
+                  <a:tcPr/>
+                </a:tc>
+                <a:tc>
+                  <a:txBody>
+                    <a:bodyPr/>
+                    <a:lstStyle/>
+                    <a:p>
+                      <a:r>
+                        <a:t>0</a:t>
+                      </a:r>
+                    </a:p>
+                  </a:txBody>
+                  <a:tcPr/>
+                </a:tc>
+              </a:tr>
+              <a:tr h="182880">
+                <a:tc>
+                  <a:txBody>
+                    <a:bodyPr/>
+                    <a:lstStyle/>
+                    <a:p>
+                      <a:r>
+                        <a:t>Alathur</a:t>
+                      </a:r>
+                    </a:p>
+                  </a:txBody>
+                  <a:tcPr/>
+                </a:tc>
+                <a:tc>
+                  <a:txBody>
+                    <a:bodyPr/>
+                    <a:lstStyle/>
+                    <a:p>
+                      <a:r>
+                        <a:t>0</a:t>
+                      </a:r>
+                    </a:p>
+                  </a:txBody>
+                  <a:tcPr/>
+                </a:tc>
+                <a:tc>
+                  <a:txBody>
+                    <a:bodyPr/>
+                    <a:lstStyle/>
+                    <a:p>
+                      <a:r>
+                        <a:t>0</a:t>
+                      </a:r>
+                    </a:p>
+                  </a:txBody>
+                  <a:tcPr/>
+                </a:tc>
+                <a:tc>
+                  <a:txBody>
+                    <a:bodyPr/>
+                    <a:lstStyle/>
+                    <a:p>
+                      <a:r>
+                        <a:t>5</a:t>
+                      </a:r>
+                    </a:p>
+                  </a:txBody>
+                  <a:tcPr/>
+                </a:tc>
+                <a:tc>
+                  <a:txBody>
+                    <a:bodyPr/>
+                    <a:lstStyle/>
+                    <a:p>
+                      <a:r>
+                        <a:t>45</a:t>
+                      </a:r>
+                    </a:p>
+                  </a:txBody>
+                  <a:tcPr/>
+                </a:tc>
+                <a:tc>
+                  <a:txBody>
+                    <a:bodyPr/>
+                    <a:lstStyle/>
+                    <a:p>
+                      <a:r>
+                        <a:t>0</a:t>
+                      </a:r>
+                    </a:p>
+                  </a:txBody>
+                  <a:tcPr/>
+                </a:tc>
+              </a:tr>
+              <a:tr h="182880">
+                <a:tc>
+                  <a:txBody>
+                    <a:bodyPr/>
+                    <a:lstStyle/>
+                    <a:p>
+                      <a:r>
+                        <a:t>Corporate</a:t>
+                      </a:r>
+                    </a:p>
+                  </a:txBody>
+                  <a:tcPr/>
+                </a:tc>
+                <a:tc>
+                  <a:txBody>
+                    <a:bodyPr/>
+                    <a:lstStyle/>
+                    <a:p>
+                      <a:r>
+                        <a:t>0</a:t>
+                      </a:r>
+                    </a:p>
+                  </a:txBody>
+                  <a:tcPr/>
+                </a:tc>
+                <a:tc>
+                  <a:txBody>
+                    <a:bodyPr/>
+                    <a:lstStyle/>
+                    <a:p>
+                      <a:r>
+                        <a:t>0</a:t>
+                      </a:r>
+                    </a:p>
+                  </a:txBody>
+                  <a:tcPr/>
+                </a:tc>
+                <a:tc>
+                  <a:txBody>
+                    <a:bodyPr/>
+                    <a:lstStyle/>
+                    <a:p>
+                      <a:r>
+                        <a:t>0</a:t>
+                      </a:r>
+                    </a:p>
+                  </a:txBody>
+                  <a:tcPr/>
+                </a:tc>
+                <a:tc>
+                  <a:txBody>
+                    <a:bodyPr/>
+                    <a:lstStyle/>
+                    <a:p>
+                      <a:r>
+                        <a:t>32</a:t>
+                      </a:r>
+                    </a:p>
+                  </a:txBody>
+                  <a:tcPr/>
+                </a:tc>
+                <a:tc>
+                  <a:txBody>
+                    <a:bodyPr/>
+                    <a:lstStyle/>
+                    <a:p>
+                      <a:r>
+                        <a:t>0</a:t>
+                      </a:r>
+                    </a:p>
+                  </a:txBody>
+                  <a:tcPr/>
+                </a:tc>
+              </a:tr>
+              <a:tr h="182880">
+                <a:tc>
+                  <a:txBody>
+                    <a:bodyPr/>
+                    <a:lstStyle/>
+                    <a:p>
+                      <a:r>
+                        <a:t>Other</a:t>
+                      </a:r>
+                    </a:p>
+                  </a:txBody>
+                  <a:tcPr/>
+                </a:tc>
+                <a:tc>
+                  <a:txBody>
+                    <a:bodyPr/>
+                    <a:lstStyle/>
+                    <a:p>
+                      <a:r>
+                        <a:t>0</a:t>
+                      </a:r>
+                    </a:p>
+                  </a:txBody>
+                  <a:tcPr/>
+                </a:tc>
+                <a:tc>
+                  <a:txBody>
+                    <a:bodyPr/>
+                    <a:lstStyle/>
+                    <a:p>
+                      <a:r>
+                        <a:t>0</a:t>
+                      </a:r>
+                    </a:p>
+                  </a:txBody>
+                  <a:tcPr/>
+                </a:tc>
+                <a:tc>
+                  <a:txBody>
+                    <a:bodyPr/>
+                    <a:lstStyle/>
+                    <a:p>
+                      <a:r>
+                        <a:t>0</a:t>
+                      </a:r>
+                    </a:p>
+                  </a:txBody>
+                  <a:tcPr/>
+                </a:tc>
+                <a:tc>
+                  <a:txBody>
+                    <a:bodyPr/>
+                    <a:lstStyle/>
+                    <a:p>
+                      <a:r>
+                        <a:t>0</a:t>
+                      </a:r>
+                    </a:p>
+                  </a:txBody>
+                  <a:tcPr/>
+                </a:tc>
+                <a:tc>
+                  <a:txBody>
+                    <a:bodyPr/>
+                    <a:lstStyle/>
+                    <a:p>
+                      <a:r>
+                        <a:t>0</a:t>
+                      </a:r>
+                    </a:p>
+                  </a:txBody>
+                  <a:tcPr/>
+                </a:tc>
+              </a:tr>
+              <a:tr h="182880">
+                <a:tc>
+                  <a:txBody>
+                    <a:bodyPr/>
+                    <a:lstStyle/>
+                    <a:p>
+                      <a:r>
+                        <a:t>Pondy formulations</a:t>
+                      </a:r>
+                    </a:p>
+                  </a:txBody>
+                  <a:tcPr/>
+                </a:tc>
+                <a:tc>
+                  <a:txBody>
+                    <a:bodyPr/>
+                    <a:lstStyle/>
+                    <a:p>
+                      <a:r>
+                        <a:t>0</a:t>
+                      </a:r>
+                    </a:p>
+                  </a:txBody>
+                  <a:tcPr/>
+                </a:tc>
+                <a:tc>
+                  <a:txBody>
+                    <a:bodyPr/>
+                    <a:lstStyle/>
+                    <a:p>
+                      <a:r>
+                        <a:t>0</a:t>
+                      </a:r>
+                    </a:p>
+                  </a:txBody>
+                  <a:tcPr/>
+                </a:tc>
+                <a:tc>
+                  <a:txBody>
+                    <a:bodyPr/>
+                    <a:lstStyle/>
+                    <a:p>
+                      <a:r>
+                        <a:t>0</a:t>
+                      </a:r>
+                    </a:p>
+                  </a:txBody>
+                  <a:tcPr/>
+                </a:tc>
+                <a:tc>
+                  <a:txBody>
+                    <a:bodyPr/>
+                    <a:lstStyle/>
+                    <a:p>
+                      <a:r>
+                        <a:t>0</a:t>
+                      </a:r>
+                    </a:p>
+                  </a:txBody>
+                  <a:tcPr/>
+                </a:tc>
+                <a:tc>
+                  <a:txBody>
+                    <a:bodyPr/>
+                    <a:lstStyle/>
+                    <a:p>
+                      <a:r>
+                        <a:t>0</a:t>
+                      </a:r>
+                    </a:p>
+                  </a:txBody>
+                  <a:tcPr/>
+                </a:tc>
+              </a:tr>
+              <a:tr h="182880">
+                <a:tc>
+                  <a:txBody>
+                    <a:bodyPr/>
+                    <a:lstStyle/>
+                    <a:p>
+                      <a:r>
+                        <a:t>R&amp;d</a:t>
+                      </a:r>
+                    </a:p>
+                  </a:txBody>
+                  <a:tcPr/>
+                </a:tc>
+                <a:tc>
+                  <a:txBody>
+                    <a:bodyPr/>
+                    <a:lstStyle/>
+                    <a:p>
+                      <a:r>
+                        <a:t>0</a:t>
+                      </a:r>
+                    </a:p>
+                  </a:txBody>
+                  <a:tcPr/>
+                </a:tc>
+                <a:tc>
+                  <a:txBody>
+                    <a:bodyPr/>
+                    <a:lstStyle/>
+                    <a:p>
+                      <a:r>
+                        <a:t>0</a:t>
+                      </a:r>
+                    </a:p>
+                  </a:txBody>
+                  <a:tcPr/>
+                </a:tc>
+                <a:tc>
+                  <a:txBody>
+                    <a:bodyPr/>
+                    <a:lstStyle/>
+                    <a:p>
+                      <a:r>
+                        <a:t>0</a:t>
+                      </a:r>
+                    </a:p>
+                  </a:txBody>
+                  <a:tcPr/>
+                </a:tc>
+                <a:tc>
+                  <a:txBody>
+                    <a:bodyPr/>
+                    <a:lstStyle/>
+                    <a:p>
+                      <a:r>
+                        <a:t>0</a:t>
+                      </a:r>
+                    </a:p>
+                  </a:txBody>
+                  <a:tcPr/>
+                </a:tc>
+                <a:tc>
+                  <a:txBody>
+                    <a:bodyPr/>
+                    <a:lstStyle/>
+                    <a:p>
+                      <a:r>
+                        <a:t>0</a:t>
+                      </a:r>
+                    </a:p>
+                  </a:txBody>
+                  <a:tcPr/>
+                </a:tc>
+              </a:tr>
+              <a:tr h="182880">
+                <a:tc>
+                  <a:txBody>
+                    <a:bodyPr/>
+                    <a:lstStyle/>
+                    <a:p>
+                      <a:r>
+                        <a:t>Seml</a:t>
+                      </a:r>
+                    </a:p>
+                  </a:txBody>
+                  <a:tcPr/>
+                </a:tc>
+                <a:tc>
+                  <a:txBody>
+                    <a:bodyPr/>
+                    <a:lstStyle/>
+                    <a:p>
+                      <a:r>
+                        <a:t>0</a:t>
+                      </a:r>
+                    </a:p>
+                  </a:txBody>
+                  <a:tcPr/>
+                </a:tc>
+                <a:tc>
+                  <a:txBody>
+                    <a:bodyPr/>
+                    <a:lstStyle/>
+                    <a:p>
+                      <a:r>
+                        <a:t>0</a:t>
+                      </a:r>
+                    </a:p>
+                  </a:txBody>
+                  <a:tcPr/>
+                </a:tc>
+                <a:tc>
+                  <a:txBody>
+                    <a:bodyPr/>
+                    <a:lstStyle/>
+                    <a:p>
+                      <a:r>
+                        <a:t>0</a:t>
+                      </a:r>
+                    </a:p>
+                  </a:txBody>
+                  <a:tcPr/>
+                </a:tc>
+                <a:tc>
+                  <a:txBody>
+                    <a:bodyPr/>
+                    <a:lstStyle/>
+                    <a:p>
+                      <a:r>
+                        <a:t>0</a:t>
+                      </a:r>
+                    </a:p>
+                  </a:txBody>
+                  <a:tcPr/>
+                </a:tc>
+                <a:tc>
+                  <a:txBody>
+                    <a:bodyPr/>
+                    <a:lstStyle/>
+                    <a:p>
+                      <a:r>
+                        <a:t>0</a:t>
+                      </a:r>
+                    </a:p>
+                  </a:txBody>
+                  <a:tcPr/>
+                </a:tc>
+              </a:tr>
+              <a:tr h="182880">
+                <a:tc>
+                  <a:txBody>
+                    <a:bodyPr/>
+                    <a:lstStyle/>
+                    <a:p>
+                      <a:r>
+                        <a:t>Total</a:t>
+                      </a:r>
+                    </a:p>
+                  </a:txBody>
+                  <a:tcPr/>
+                </a:tc>
+                <a:tc>
+                  <a:txBody>
+                    <a:bodyPr/>
+                    <a:lstStyle/>
+                    <a:p>
+                      <a:r>
+                        <a:t>0</a:t>
+                      </a:r>
+                    </a:p>
+                  </a:txBody>
+                  <a:tcPr/>
+                </a:tc>
+                <a:tc>
+                  <a:txBody>
+                    <a:bodyPr/>
+                    <a:lstStyle/>
+                    <a:p>
+                      <a:r>
+                        <a:t>0</a:t>
+                      </a:r>
+                    </a:p>
+                  </a:txBody>
+                  <a:tcPr/>
+                </a:tc>
+                <a:tc>
+                  <a:txBody>
+                    <a:bodyPr/>
+                    <a:lstStyle/>
+                    <a:p>
+                      <a:r>
+                        <a:t>5</a:t>
+                      </a:r>
+                    </a:p>
+                  </a:txBody>
+                  <a:tcPr/>
+                </a:tc>
+                <a:tc>
+                  <a:txBody>
+                    <a:bodyPr/>
+                    <a:lstStyle/>
+                    <a:p>
+                      <a:r>
+                        <a:t>77</a:t>
+                      </a:r>
+                    </a:p>
+                  </a:txBody>
+                  <a:tcPr/>
+                </a:tc>
+                <a:tc>
+                  <a:txBody>
+                    <a:bodyPr/>
+                    <a:lstStyle/>
+                    <a:p>
+                      <a:r>
+                        <a:t>0</a:t>
+                      </a:r>
+                    </a:p>
+                  </a:txBody>
+                  <a:tcPr/>
+                </a:tc>
+              </a:tr>
+            </a:tbl>
+          </a:graphicData>
+        </a:graphic>
+      </p:graphicFrame>
+    </p:spTree>
+  </p:cSld>
+  <p:clrMapOvr>
+    <a:masterClrMapping/>
+  </p:clrMapOvr>
+</p:sld>
+</file>
+
+<file path=ppt/slides/slide3.xml><?xml version="1.0" encoding="utf-8"?>
+<p:sld xmlns:a="http://schemas.openxmlformats.org/drawingml/2006/main" xmlns:p="http://schemas.openxmlformats.org/presentationml/2006/main" xmlns:r="http://schemas.openxmlformats.org/officeDocument/2006/relationships">
+  <p:cSld>
+    <p:spTree>
+      <p:nvGrpSpPr>
+        <p:cNvPr id="1" name=""/>
+        <p:cNvGrpSpPr/>
+        <p:nvPr/>
+      </p:nvGrpSpPr>
+      <p:grpSpPr/>
+      <p:sp>
+        <p:nvSpPr>
+          <p:cNvPr id="2" name="Title 1"/>
+          <p:cNvSpPr>
+            <a:spLocks noGrp="1"/>
+          </p:cNvSpPr>
+          <p:nvPr>
+            <p:ph type="title"/>
+          </p:nvPr>
+        </p:nvSpPr>
+        <p:spPr/>
+        <p:txBody>
+          <a:bodyPr/>
+          <a:lstStyle/>
+          <a:p>
+            <a:r>
+              <a:rPr sz="4400" b="1"/>
+              <a:t>Learn Status Continued</a:t>
+            </a:r>
+          </a:p>
+        </p:txBody>
+      </p:sp>
+      <p:pic>
+        <p:nvPicPr>
+          <p:cNvPr id="3" name="Picture 2" descr="SeekLogo.png"/>
+          <p:cNvPicPr>
+            <a:picLocks noChangeAspect="1"/>
+          </p:cNvPicPr>
+          <p:nvPr/>
+        </p:nvPicPr>
+        <p:blipFill>
+          <a:blip r:embed="rId2"/>
+          <a:stretch>
+            <a:fillRect/>
+          </a:stretch>
+        </p:blipFill>
+        <p:spPr>
+          <a:xfrm>
+            <a:off x="8293608" y="18288"/>
+            <a:ext cx="841248" cy="768096"/>
+          </a:xfrm>
+          <a:prstGeom prst="rect">
+            <a:avLst/>
+          </a:prstGeom>
+        </p:spPr>
+      </p:pic>
+      <p:graphicFrame>
+        <p:nvGraphicFramePr>
+          <p:cNvPr id="4" name="Table 3"/>
+          <p:cNvGraphicFramePr>
+            <a:graphicFrameLocks noGrp="1"/>
+          </p:cNvGraphicFramePr>
+          <p:nvPr/>
+        </p:nvGraphicFramePr>
+        <p:xfrm>
+          <a:off x="304495" y="1371600"/>
+          <a:ext cx="8686800" cy="1828800"/>
+        </p:xfrm>
+        <a:graphic>
+          <a:graphicData uri="http://schemas.openxmlformats.org/drawingml/2006/table">
+            <a:tbl>
+              <a:tblPr firstRow="1" bandRow="1">
+                <a:tableStyleId>{5C22544A-7EE6-4342-B048-85BDC9FD1C3A}</a:tableStyleId>
+              </a:tblPr>
+              <a:tblGrid>
+                <a:gridCol w="1447800"/>
+                <a:gridCol w="1447800"/>
+                <a:gridCol w="1447800"/>
+                <a:gridCol w="1447800"/>
+                <a:gridCol w="1447800"/>
+                <a:gridCol w="1447800"/>
+              </a:tblGrid>
+              <a:tr h="182880">
+                <a:tc>
+                  <a:txBody>
+                    <a:bodyPr/>
+                    <a:lstStyle/>
+                    <a:p/>
+                  </a:txBody>
+                  <a:tcPr/>
+                </a:tc>
+                <a:tc>
+                  <a:txBody>
+                    <a:bodyPr/>
+                    <a:lstStyle/>
+                    <a:p>
+                      <a:r>
+                        <a:t>Ken Blanchard's Balances Work And Life</a:t>
+                      </a:r>
+                    </a:p>
+                  </a:txBody>
+                  <a:tcPr/>
+                </a:tc>
+                <a:tc>
+                  <a:txBody>
+                    <a:bodyPr/>
+                    <a:lstStyle/>
+                    <a:p>
+                      <a:r>
+                        <a:t>Leaders and Leadership Styles</a:t>
+                      </a:r>
+                    </a:p>
+                  </a:txBody>
+                  <a:tcPr/>
+                </a:tc>
+                <a:tc>
+                  <a:txBody>
+                    <a:bodyPr/>
+                    <a:lstStyle/>
+                    <a:p>
+                      <a:r>
+                        <a:t>Listening Skills - CPD</a:t>
+                      </a:r>
+                    </a:p>
+                  </a:txBody>
+                  <a:tcPr/>
+                </a:tc>
+                <a:tc>
+                  <a:txBody>
+                    <a:bodyPr/>
+                    <a:lstStyle/>
+                    <a:p>
+                      <a:r>
+                        <a:t>Managing Oneself</a:t>
+                      </a:r>
+                    </a:p>
+                  </a:txBody>
+                  <a:tcPr/>
+                </a:tc>
+                <a:tc>
+                  <a:txBody>
+                    <a:bodyPr/>
+                    <a:lstStyle/>
+                    <a:p>
+                      <a:r>
+                        <a:t>Negotiation</a:t>
+                      </a:r>
+                    </a:p>
+                  </a:txBody>
+                  <a:tcPr/>
+                </a:tc>
+              </a:tr>
+              <a:tr h="182880">
+                <a:tc>
+                  <a:txBody>
+                    <a:bodyPr/>
+                    <a:lstStyle/>
+                    <a:p>
+                      <a:r>
+                        <a:t>Arcolab</a:t>
+                      </a:r>
+                    </a:p>
+                  </a:txBody>
+                  <a:tcPr/>
+                </a:tc>
+                <a:tc>
+                  <a:txBody>
+                    <a:bodyPr/>
+                    <a:lstStyle/>
+                    <a:p>
+                      <a:r>
+                        <a:t>1</a:t>
+                      </a:r>
+                    </a:p>
+                  </a:txBody>
+                  <a:tcPr/>
+                </a:tc>
+                <a:tc>
+                  <a:txBody>
+                    <a:bodyPr/>
+                    <a:lstStyle/>
+                    <a:p>
+                      <a:r>
+                        <a:t>0</a:t>
+                      </a:r>
+                    </a:p>
+                  </a:txBody>
+                  <a:tcPr/>
+                </a:tc>
+                <a:tc>
+                  <a:txBody>
+                    <a:bodyPr/>
+                    <a:lstStyle/>
+                    <a:p>
+                      <a:r>
+                        <a:t>0</a:t>
+                      </a:r>
+                    </a:p>
+                  </a:txBody>
+                  <a:tcPr/>
+                </a:tc>
+                <a:tc>
+                  <a:txBody>
+                    <a:bodyPr/>
+                    <a:lstStyle/>
+                    <a:p>
+                      <a:r>
+                        <a:t>0</a:t>
+                      </a:r>
+                    </a:p>
+                  </a:txBody>
+                  <a:tcPr/>
+                </a:tc>
+                <a:tc>
+                  <a:txBody>
+                    <a:bodyPr/>
+                    <a:lstStyle/>
+                    <a:p>
+                      <a:r>
+                        <a:t>0</a:t>
+                      </a:r>
+                    </a:p>
+                  </a:txBody>
+                  <a:tcPr/>
+                </a:tc>
+              </a:tr>
+              <a:tr h="182880">
+                <a:tc>
+                  <a:txBody>
+                    <a:bodyPr/>
+                    <a:lstStyle/>
+                    <a:p>
+                      <a:r>
+                        <a:t>Krsg</a:t>
+                      </a:r>
+                    </a:p>
+                  </a:txBody>
+                  <a:tcPr/>
+                </a:tc>
+                <a:tc>
+                  <a:txBody>
+                    <a:bodyPr/>
+                    <a:lstStyle/>
+                    <a:p>
+                      <a:r>
+                        <a:t>0</a:t>
+                      </a:r>
+                    </a:p>
+                  </a:txBody>
+                  <a:tcPr/>
+                </a:tc>
+                <a:tc>
+                  <a:txBody>
+                    <a:bodyPr/>
+                    <a:lstStyle/>
+                    <a:p>
+                      <a:r>
+                        <a:t>0</a:t>
+                      </a:r>
+                    </a:p>
+                  </a:txBody>
+                  <a:tcPr/>
+                </a:tc>
+                <a:tc>
+                  <a:txBody>
+                    <a:bodyPr/>
+                    <a:lstStyle/>
+                    <a:p>
+                      <a:r>
+                        <a:t>0</a:t>
+                      </a:r>
+                    </a:p>
+                  </a:txBody>
+                  <a:tcPr/>
+                </a:tc>
+                <a:tc>
+                  <a:txBody>
+                    <a:bodyPr/>
+                    <a:lstStyle/>
+                    <a:p>
+                      <a:r>
+                        <a:t>0</a:t>
+                      </a:r>
+                    </a:p>
+                  </a:txBody>
+                  <a:tcPr/>
+                </a:tc>
+                <a:tc>
+                  <a:txBody>
+                    <a:bodyPr/>
+                    <a:lstStyle/>
+                    <a:p>
+                      <a:r>
+                        <a:t>0</a:t>
+                      </a:r>
+                    </a:p>
+                  </a:txBody>
+                  <a:tcPr/>
+                </a:tc>
+              </a:tr>
+              <a:tr h="182880">
+                <a:tc>
+                  <a:txBody>
+                    <a:bodyPr/>
+                    <a:lstStyle/>
+                    <a:p>
+                      <a:r>
+                        <a:t>Alathur</a:t>
+                      </a:r>
+                    </a:p>
+                  </a:txBody>
+                  <a:tcPr/>
+                </a:tc>
+                <a:tc>
+                  <a:txBody>
+                    <a:bodyPr/>
+                    <a:lstStyle/>
+                    <a:p>
+                      <a:r>
+                        <a:t>4</a:t>
+                      </a:r>
+                    </a:p>
+                  </a:txBody>
+                  <a:tcPr/>
+                </a:tc>
+                <a:tc>
+                  <a:txBody>
+                    <a:bodyPr/>
+                    <a:lstStyle/>
+                    <a:p>
+                      <a:r>
+                        <a:t>1</a:t>
+                      </a:r>
+                    </a:p>
+                  </a:txBody>
+                  <a:tcPr/>
+                </a:tc>
+                <a:tc>
+                  <a:txBody>
+                    <a:bodyPr/>
+                    <a:lstStyle/>
+                    <a:p>
+                      <a:r>
+                        <a:t>0</a:t>
+                      </a:r>
+                    </a:p>
+                  </a:txBody>
+                  <a:tcPr/>
+                </a:tc>
+                <a:tc>
+                  <a:txBody>
+                    <a:bodyPr/>
+                    <a:lstStyle/>
+                    <a:p>
+                      <a:r>
+                        <a:t>1</a:t>
+                      </a:r>
+                    </a:p>
+                  </a:txBody>
+                  <a:tcPr/>
+                </a:tc>
+                <a:tc>
+                  <a:txBody>
+                    <a:bodyPr/>
+                    <a:lstStyle/>
+                    <a:p>
+                      <a:r>
+                        <a:t>1</a:t>
+                      </a:r>
+                    </a:p>
+                  </a:txBody>
+                  <a:tcPr/>
+                </a:tc>
+              </a:tr>
+              <a:tr h="182880">
+                <a:tc>
+                  <a:txBody>
+                    <a:bodyPr/>
+                    <a:lstStyle/>
+                    <a:p>
+                      <a:r>
+                        <a:t>Corporate</a:t>
+                      </a:r>
+                    </a:p>
+                  </a:txBody>
+                  <a:tcPr/>
+                </a:tc>
+                <a:tc>
+                  <a:txBody>
+                    <a:bodyPr/>
+                    <a:lstStyle/>
+                    <a:p>
+                      <a:r>
+                        <a:t>10</a:t>
+                      </a:r>
+                    </a:p>
+                  </a:txBody>
+                  <a:tcPr/>
+                </a:tc>
+                <a:tc>
+                  <a:txBody>
+                    <a:bodyPr/>
+                    <a:lstStyle/>
+                    <a:p>
+                      <a:r>
+                        <a:t>1</a:t>
+                      </a:r>
+                    </a:p>
+                  </a:txBody>
+                  <a:tcPr/>
+                </a:tc>
+                <a:tc>
+                  <a:txBody>
+                    <a:bodyPr/>
+                    <a:lstStyle/>
+                    <a:p>
+                      <a:r>
+                        <a:t>0</a:t>
+                      </a:r>
+                    </a:p>
+                  </a:txBody>
+                  <a:tcPr/>
+                </a:tc>
+                <a:tc>
+                  <a:txBody>
+                    <a:bodyPr/>
+                    <a:lstStyle/>
+                    <a:p>
+                      <a:r>
+                        <a:t>0</a:t>
+                      </a:r>
+                    </a:p>
+                  </a:txBody>
+                  <a:tcPr/>
+                </a:tc>
+                <a:tc>
+                  <a:txBody>
+                    <a:bodyPr/>
+                    <a:lstStyle/>
+                    <a:p>
+                      <a:r>
+                        <a:t>0</a:t>
+                      </a:r>
+                    </a:p>
+                  </a:txBody>
+                  <a:tcPr/>
+                </a:tc>
+              </a:tr>
+              <a:tr h="182880">
+                <a:tc>
+                  <a:txBody>
+                    <a:bodyPr/>
+                    <a:lstStyle/>
+                    <a:p>
+                      <a:r>
+                        <a:t>Other</a:t>
+                      </a:r>
+                    </a:p>
+                  </a:txBody>
+                  <a:tcPr/>
+                </a:tc>
+                <a:tc>
+                  <a:txBody>
+                    <a:bodyPr/>
+                    <a:lstStyle/>
+                    <a:p>
+                      <a:r>
+                        <a:t>0</a:t>
+                      </a:r>
+                    </a:p>
+                  </a:txBody>
+                  <a:tcPr/>
+                </a:tc>
+                <a:tc>
+                  <a:txBody>
+                    <a:bodyPr/>
+                    <a:lstStyle/>
+                    <a:p>
+                      <a:r>
+                        <a:t>0</a:t>
+                      </a:r>
+                    </a:p>
+                  </a:txBody>
+                  <a:tcPr/>
+                </a:tc>
+                <a:tc>
+                  <a:txBody>
+                    <a:bodyPr/>
+                    <a:lstStyle/>
+                    <a:p>
+                      <a:r>
+                        <a:t>0</a:t>
+                      </a:r>
+                    </a:p>
+                  </a:txBody>
+                  <a:tcPr/>
+                </a:tc>
+                <a:tc>
+                  <a:txBody>
+                    <a:bodyPr/>
+                    <a:lstStyle/>
+                    <a:p>
+                      <a:r>
+                        <a:t>0</a:t>
+                      </a:r>
+                    </a:p>
+                  </a:txBody>
+                  <a:tcPr/>
+                </a:tc>
+                <a:tc>
+                  <a:txBody>
+                    <a:bodyPr/>
+                    <a:lstStyle/>
+                    <a:p>
+                      <a:r>
+                        <a:t>0</a:t>
+                      </a:r>
+                    </a:p>
+                  </a:txBody>
+                  <a:tcPr/>
+                </a:tc>
+              </a:tr>
+              <a:tr h="182880">
+                <a:tc>
+                  <a:txBody>
+                    <a:bodyPr/>
+                    <a:lstStyle/>
+                    <a:p>
+                      <a:r>
+                        <a:t>Pondy formulations</a:t>
+                      </a:r>
+                    </a:p>
+                  </a:txBody>
+                  <a:tcPr/>
+                </a:tc>
+                <a:tc>
+                  <a:txBody>
+                    <a:bodyPr/>
+                    <a:lstStyle/>
+                    <a:p>
+                      <a:r>
+                        <a:t>0</a:t>
+                      </a:r>
+                    </a:p>
+                  </a:txBody>
+                  <a:tcPr/>
+                </a:tc>
+                <a:tc>
+                  <a:txBody>
+                    <a:bodyPr/>
+                    <a:lstStyle/>
+                    <a:p>
+                      <a:r>
+                        <a:t>0</a:t>
+                      </a:r>
+                    </a:p>
+                  </a:txBody>
+                  <a:tcPr/>
+                </a:tc>
+                <a:tc>
+                  <a:txBody>
+                    <a:bodyPr/>
+                    <a:lstStyle/>
+                    <a:p>
+                      <a:r>
+                        <a:t>0</a:t>
+                      </a:r>
+                    </a:p>
+                  </a:txBody>
+                  <a:tcPr/>
+                </a:tc>
+                <a:tc>
+                  <a:txBody>
+                    <a:bodyPr/>
+                    <a:lstStyle/>
+                    <a:p>
+                      <a:r>
+                        <a:t>0</a:t>
+                      </a:r>
+                    </a:p>
+                  </a:txBody>
+                  <a:tcPr/>
+                </a:tc>
+                <a:tc>
+                  <a:txBody>
+                    <a:bodyPr/>
+                    <a:lstStyle/>
+                    <a:p>
+                      <a:r>
+                        <a:t>0</a:t>
+                      </a:r>
+                    </a:p>
+                  </a:txBody>
+                  <a:tcPr/>
+                </a:tc>
+              </a:tr>
+              <a:tr h="182880">
+                <a:tc>
+                  <a:txBody>
+                    <a:bodyPr/>
+                    <a:lstStyle/>
+                    <a:p>
+                      <a:r>
+                        <a:t>R&amp;d</a:t>
+                      </a:r>
+                    </a:p>
+                  </a:txBody>
+                  <a:tcPr/>
+                </a:tc>
+                <a:tc>
+                  <a:txBody>
+                    <a:bodyPr/>
+                    <a:lstStyle/>
+                    <a:p>
+                      <a:r>
+                        <a:t>0</a:t>
+                      </a:r>
+                    </a:p>
+                  </a:txBody>
+                  <a:tcPr/>
+                </a:tc>
+                <a:tc>
+                  <a:txBody>
+                    <a:bodyPr/>
+                    <a:lstStyle/>
+                    <a:p>
+                      <a:r>
+                        <a:t>0</a:t>
+                      </a:r>
+                    </a:p>
+                  </a:txBody>
+                  <a:tcPr/>
+                </a:tc>
+                <a:tc>
+                  <a:txBody>
+                    <a:bodyPr/>
+                    <a:lstStyle/>
+                    <a:p>
+                      <a:r>
+                        <a:t>0</a:t>
+                      </a:r>
+                    </a:p>
+                  </a:txBody>
+                  <a:tcPr/>
+                </a:tc>
+                <a:tc>
+                  <a:txBody>
+                    <a:bodyPr/>
+                    <a:lstStyle/>
+                    <a:p>
+                      <a:r>
+                        <a:t>0</a:t>
+                      </a:r>
+                    </a:p>
+                  </a:txBody>
+                  <a:tcPr/>
+                </a:tc>
+                <a:tc>
+                  <a:txBody>
+                    <a:bodyPr/>
+                    <a:lstStyle/>
+                    <a:p>
+                      <a:r>
+                        <a:t>2</a:t>
+                      </a:r>
+                    </a:p>
+                  </a:txBody>
+                  <a:tcPr/>
+                </a:tc>
+              </a:tr>
+              <a:tr h="182880">
+                <a:tc>
+                  <a:txBody>
+                    <a:bodyPr/>
+                    <a:lstStyle/>
+                    <a:p>
+                      <a:r>
+                        <a:t>Seml</a:t>
+                      </a:r>
+                    </a:p>
+                  </a:txBody>
+                  <a:tcPr/>
+                </a:tc>
+                <a:tc>
+                  <a:txBody>
+                    <a:bodyPr/>
+                    <a:lstStyle/>
+                    <a:p>
+                      <a:r>
+                        <a:t>0</a:t>
+                      </a:r>
+                    </a:p>
+                  </a:txBody>
+                  <a:tcPr/>
+                </a:tc>
+                <a:tc>
+                  <a:txBody>
+                    <a:bodyPr/>
+                    <a:lstStyle/>
+                    <a:p>
+                      <a:r>
+                        <a:t>0</a:t>
+                      </a:r>
+                    </a:p>
+                  </a:txBody>
+                  <a:tcPr/>
+                </a:tc>
+                <a:tc>
+                  <a:txBody>
+                    <a:bodyPr/>
+                    <a:lstStyle/>
+                    <a:p>
+                      <a:r>
+                        <a:t>0</a:t>
+                      </a:r>
+                    </a:p>
+                  </a:txBody>
+                  <a:tcPr/>
+                </a:tc>
+                <a:tc>
+                  <a:txBody>
+                    <a:bodyPr/>
+                    <a:lstStyle/>
+                    <a:p>
+                      <a:r>
+                        <a:t>0</a:t>
+                      </a:r>
+                    </a:p>
+                  </a:txBody>
+                  <a:tcPr/>
+                </a:tc>
+                <a:tc>
+                  <a:txBody>
+                    <a:bodyPr/>
+                    <a:lstStyle/>
+                    <a:p>
+                      <a:r>
+                        <a:t>2</a:t>
+                      </a:r>
+                    </a:p>
+                  </a:txBody>
+                  <a:tcPr/>
+                </a:tc>
+              </a:tr>
+              <a:tr h="182880">
+                <a:tc>
+                  <a:txBody>
+                    <a:bodyPr/>
+                    <a:lstStyle/>
+                    <a:p>
+                      <a:r>
+                        <a:t>Total</a:t>
+                      </a:r>
+                    </a:p>
+                  </a:txBody>
+                  <a:tcPr/>
+                </a:tc>
+                <a:tc>
+                  <a:txBody>
+                    <a:bodyPr/>
+                    <a:lstStyle/>
+                    <a:p>
+                      <a:r>
+                        <a:t>15</a:t>
+                      </a:r>
+                    </a:p>
+                  </a:txBody>
+                  <a:tcPr/>
+                </a:tc>
+                <a:tc>
+                  <a:txBody>
+                    <a:bodyPr/>
+                    <a:lstStyle/>
+                    <a:p>
+                      <a:r>
+                        <a:t>2</a:t>
+                      </a:r>
+                    </a:p>
+                  </a:txBody>
+                  <a:tcPr/>
+                </a:tc>
+                <a:tc>
+                  <a:txBody>
+                    <a:bodyPr/>
+                    <a:lstStyle/>
+                    <a:p>
+                      <a:r>
+                        <a:t>0</a:t>
+                      </a:r>
+                    </a:p>
+                  </a:txBody>
+                  <a:tcPr/>
+                </a:tc>
+                <a:tc>
+                  <a:txBody>
+                    <a:bodyPr/>
+                    <a:lstStyle/>
+                    <a:p>
+                      <a:r>
+                        <a:t>1</a:t>
+                      </a:r>
+                    </a:p>
+                  </a:txBody>
+                  <a:tcPr/>
+                </a:tc>
+                <a:tc>
+                  <a:txBody>
+                    <a:bodyPr/>
+                    <a:lstStyle/>
+                    <a:p>
+                      <a:r>
+                        <a:t>5</a:t>
+                      </a:r>
+                    </a:p>
+                  </a:txBody>
+                  <a:tcPr/>
+                </a:tc>
+              </a:tr>
+            </a:tbl>
+          </a:graphicData>
+        </a:graphic>
+      </p:graphicFrame>
+    </p:spTree>
+  </p:cSld>
+  <p:clrMapOvr>
+    <a:masterClrMapping/>
+  </p:clrMapOvr>
+</p:sld>
+</file>
+
+<file path=ppt/slides/slide4.xml><?xml version="1.0" encoding="utf-8"?>
+<p:sld xmlns:a="http://schemas.openxmlformats.org/drawingml/2006/main" xmlns:p="http://schemas.openxmlformats.org/presentationml/2006/main" xmlns:r="http://schemas.openxmlformats.org/officeDocument/2006/relationships">
+  <p:cSld>
+    <p:spTree>
+      <p:nvGrpSpPr>
+        <p:cNvPr id="1" name=""/>
+        <p:cNvGrpSpPr/>
+        <p:nvPr/>
+      </p:nvGrpSpPr>
+      <p:grpSpPr/>
+      <p:sp>
+        <p:nvSpPr>
+          <p:cNvPr id="2" name="Title 1"/>
+          <p:cNvSpPr>
+            <a:spLocks noGrp="1"/>
+          </p:cNvSpPr>
+          <p:nvPr>
+            <p:ph type="title"/>
+          </p:nvPr>
+        </p:nvSpPr>
+        <p:spPr/>
+        <p:txBody>
+          <a:bodyPr/>
+          <a:lstStyle/>
+          <a:p>
+            <a:r>
+              <a:rPr sz="4400" b="1"/>
+              <a:t>Learn Status Continued</a:t>
+            </a:r>
+          </a:p>
+        </p:txBody>
+      </p:sp>
+      <p:pic>
+        <p:nvPicPr>
+          <p:cNvPr id="3" name="Picture 2" descr="SeekLogo.png"/>
+          <p:cNvPicPr>
+            <a:picLocks noChangeAspect="1"/>
+          </p:cNvPicPr>
+          <p:nvPr/>
+        </p:nvPicPr>
+        <p:blipFill>
+          <a:blip r:embed="rId2"/>
+          <a:stretch>
+            <a:fillRect/>
+          </a:stretch>
+        </p:blipFill>
+        <p:spPr>
+          <a:xfrm>
+            <a:off x="8293608" y="18288"/>
+            <a:ext cx="841248" cy="768096"/>
+          </a:xfrm>
+          <a:prstGeom prst="rect">
+            <a:avLst/>
+          </a:prstGeom>
+        </p:spPr>
+      </p:pic>
+      <p:graphicFrame>
+        <p:nvGraphicFramePr>
+          <p:cNvPr id="4" name="Table 3"/>
+          <p:cNvGraphicFramePr>
+            <a:graphicFrameLocks noGrp="1"/>
+          </p:cNvGraphicFramePr>
+          <p:nvPr/>
+        </p:nvGraphicFramePr>
+        <p:xfrm>
+          <a:off x="304495" y="1371600"/>
+          <a:ext cx="8686800" cy="1828800"/>
+        </p:xfrm>
+        <a:graphic>
+          <a:graphicData uri="http://schemas.openxmlformats.org/drawingml/2006/table">
+            <a:tbl>
+              <a:tblPr firstRow="1" bandRow="1">
+                <a:tableStyleId>{5C22544A-7EE6-4342-B048-85BDC9FD1C3A}</a:tableStyleId>
+              </a:tblPr>
+              <a:tblGrid>
+                <a:gridCol w="2171700"/>
+                <a:gridCol w="2171700"/>
+                <a:gridCol w="2171700"/>
+                <a:gridCol w="2171700"/>
+              </a:tblGrid>
+              <a:tr h="182880">
+                <a:tc>
+                  <a:txBody>
+                    <a:bodyPr/>
+                    <a:lstStyle/>
+                    <a:p/>
+                  </a:txBody>
+                  <a:tcPr/>
+                </a:tc>
+                <a:tc>
+                  <a:txBody>
+                    <a:bodyPr/>
+                    <a:lstStyle/>
+                    <a:p>
+                      <a:r>
+                        <a:t>Situational Leadership</a:t>
+                      </a:r>
+                    </a:p>
+                  </a:txBody>
+                  <a:tcPr/>
+                </a:tc>
+                <a:tc>
+                  <a:txBody>
+                    <a:bodyPr/>
+                    <a:lstStyle/>
+                    <a:p>
+                      <a:r>
+                        <a:t>Not on Learn</a:t>
+                      </a:r>
+                    </a:p>
+                  </a:txBody>
+                  <a:tcPr/>
+                </a:tc>
+                <a:tc>
+                  <a:txBody>
+                    <a:bodyPr/>
+                    <a:lstStyle/>
+                    <a:p>
+                      <a:r>
+                        <a:t>Total</a:t>
+                      </a:r>
+                    </a:p>
+                  </a:txBody>
+                  <a:tcPr/>
+                </a:tc>
+              </a:tr>
+              <a:tr h="182880">
+                <a:tc>
+                  <a:txBody>
+                    <a:bodyPr/>
+                    <a:lstStyle/>
+                    <a:p>
+                      <a:r>
+                        <a:t>Arcolab</a:t>
+                      </a:r>
+                    </a:p>
+                  </a:txBody>
+                  <a:tcPr/>
+                </a:tc>
+                <a:tc>
+                  <a:txBody>
+                    <a:bodyPr/>
+                    <a:lstStyle/>
+                    <a:p>
+                      <a:r>
+                        <a:t>0</a:t>
+                      </a:r>
+                    </a:p>
+                  </a:txBody>
+                  <a:tcPr/>
+                </a:tc>
+                <a:tc>
+                  <a:txBody>
+                    <a:bodyPr/>
+                    <a:lstStyle/>
+                    <a:p>
+                      <a:r>
+                        <a:t>172</a:t>
+                      </a:r>
+                    </a:p>
+                  </a:txBody>
+                  <a:tcPr/>
+                </a:tc>
+                <a:tc>
+                  <a:txBody>
+                    <a:bodyPr/>
+                    <a:lstStyle/>
+                    <a:p>
+                      <a:r>
+                        <a:t>172</a:t>
+                      </a:r>
+                    </a:p>
+                  </a:txBody>
+                  <a:tcPr/>
+                </a:tc>
+              </a:tr>
+              <a:tr h="182880">
+                <a:tc>
+                  <a:txBody>
+                    <a:bodyPr/>
+                    <a:lstStyle/>
+                    <a:p>
+                      <a:r>
+                        <a:t>Krsg</a:t>
+                      </a:r>
+                    </a:p>
+                  </a:txBody>
+                  <a:tcPr/>
+                </a:tc>
+                <a:tc>
+                  <a:txBody>
+                    <a:bodyPr/>
+                    <a:lstStyle/>
+                    <a:p>
+                      <a:r>
+                        <a:t>1</a:t>
+                      </a:r>
+                    </a:p>
+                  </a:txBody>
+                  <a:tcPr/>
+                </a:tc>
+                <a:tc>
+                  <a:txBody>
+                    <a:bodyPr/>
+                    <a:lstStyle/>
+                    <a:p>
+                      <a:r>
+                        <a:t>1041</a:t>
+                      </a:r>
+                    </a:p>
+                  </a:txBody>
+                  <a:tcPr/>
+                </a:tc>
+                <a:tc>
+                  <a:txBody>
+                    <a:bodyPr/>
+                    <a:lstStyle/>
+                    <a:p>
+                      <a:r>
+                        <a:t>1042</a:t>
+                      </a:r>
+                    </a:p>
+                  </a:txBody>
+                  <a:tcPr/>
+                </a:tc>
+              </a:tr>
+              <a:tr h="182880">
+                <a:tc>
+                  <a:txBody>
+                    <a:bodyPr/>
+                    <a:lstStyle/>
+                    <a:p>
+                      <a:r>
+                        <a:t>Alathur</a:t>
+                      </a:r>
+                    </a:p>
+                  </a:txBody>
+                  <a:tcPr/>
+                </a:tc>
+                <a:tc>
+                  <a:txBody>
+                    <a:bodyPr/>
+                    <a:lstStyle/>
+                    <a:p>
+                      <a:r>
+                        <a:t>0</a:t>
+                      </a:r>
+                    </a:p>
+                  </a:txBody>
+                  <a:tcPr/>
+                </a:tc>
+                <a:tc>
+                  <a:txBody>
+                    <a:bodyPr/>
+                    <a:lstStyle/>
+                    <a:p>
+                      <a:r>
+                        <a:t>338</a:t>
+                      </a:r>
+                    </a:p>
+                  </a:txBody>
+                  <a:tcPr/>
+                </a:tc>
+                <a:tc>
+                  <a:txBody>
+                    <a:bodyPr/>
+                    <a:lstStyle/>
+                    <a:p>
+                      <a:r>
+                        <a:t>338</a:t>
+                      </a:r>
+                    </a:p>
+                  </a:txBody>
+                  <a:tcPr/>
+                </a:tc>
+              </a:tr>
+              <a:tr h="182880">
+                <a:tc>
+                  <a:txBody>
+                    <a:bodyPr/>
+                    <a:lstStyle/>
+                    <a:p>
+                      <a:r>
+                        <a:t>Corporate</a:t>
+                      </a:r>
+                    </a:p>
+                  </a:txBody>
+                  <a:tcPr/>
+                </a:tc>
+                <a:tc>
+                  <a:txBody>
+                    <a:bodyPr/>
+                    <a:lstStyle/>
+                    <a:p>
+                      <a:r>
+                        <a:t>0</a:t>
+                      </a:r>
+                    </a:p>
+                  </a:txBody>
+                  <a:tcPr/>
+                </a:tc>
+                <a:tc>
+                  <a:txBody>
+                    <a:bodyPr/>
+                    <a:lstStyle/>
+                    <a:p>
+                      <a:r>
+                        <a:t>236</a:t>
+                      </a:r>
+                    </a:p>
+                  </a:txBody>
+                  <a:tcPr/>
+                </a:tc>
+                <a:tc>
+                  <a:txBody>
+                    <a:bodyPr/>
+                    <a:lstStyle/>
+                    <a:p>
+                      <a:r>
+                        <a:t>236</a:t>
+                      </a:r>
+                    </a:p>
+                  </a:txBody>
+                  <a:tcPr/>
+                </a:tc>
+              </a:tr>
+              <a:tr h="182880">
+                <a:tc>
+                  <a:txBody>
+                    <a:bodyPr/>
+                    <a:lstStyle/>
+                    <a:p>
+                      <a:r>
+                        <a:t>Other</a:t>
+                      </a:r>
+                    </a:p>
+                  </a:txBody>
+                  <a:tcPr/>
+                </a:tc>
+                <a:tc>
+                  <a:txBody>
+                    <a:bodyPr/>
+                    <a:lstStyle/>
+                    <a:p>
+                      <a:r>
+                        <a:t>0</a:t>
+                      </a:r>
+                    </a:p>
+                  </a:txBody>
+                  <a:tcPr/>
+                </a:tc>
+                <a:tc>
+                  <a:txBody>
+                    <a:bodyPr/>
+                    <a:lstStyle/>
+                    <a:p>
+                      <a:r>
+                        <a:t>67</a:t>
+                      </a:r>
+                    </a:p>
+                  </a:txBody>
+                  <a:tcPr/>
+                </a:tc>
+                <a:tc>
+                  <a:txBody>
+                    <a:bodyPr/>
+                    <a:lstStyle/>
+                    <a:p>
+                      <a:r>
+                        <a:t>67</a:t>
+                      </a:r>
+                    </a:p>
+                  </a:txBody>
+                  <a:tcPr/>
+                </a:tc>
+              </a:tr>
+              <a:tr h="182880">
+                <a:tc>
+                  <a:txBody>
+                    <a:bodyPr/>
+                    <a:lstStyle/>
+                    <a:p>
+                      <a:r>
+                        <a:t>Pondy formulations</a:t>
+                      </a:r>
+                    </a:p>
+                  </a:txBody>
+                  <a:tcPr/>
+                </a:tc>
+                <a:tc>
+                  <a:txBody>
+                    <a:bodyPr/>
+                    <a:lstStyle/>
+                    <a:p>
+                      <a:r>
+                        <a:t>1</a:t>
+                      </a:r>
+                    </a:p>
+                  </a:txBody>
+                  <a:tcPr/>
+                </a:tc>
+                <a:tc>
+                  <a:txBody>
+                    <a:bodyPr/>
+                    <a:lstStyle/>
+                    <a:p>
+                      <a:r>
+                        <a:t>684</a:t>
+                      </a:r>
+                    </a:p>
+                  </a:txBody>
+                  <a:tcPr/>
+                </a:tc>
+                <a:tc>
+                  <a:txBody>
+                    <a:bodyPr/>
+                    <a:lstStyle/>
+                    <a:p>
+                      <a:r>
+                        <a:t>685</a:t>
+                      </a:r>
+                    </a:p>
+                  </a:txBody>
+                  <a:tcPr/>
+                </a:tc>
+              </a:tr>
+              <a:tr h="182880">
+                <a:tc>
+                  <a:txBody>
+                    <a:bodyPr/>
+                    <a:lstStyle/>
+                    <a:p>
+                      <a:r>
+                        <a:t>R&amp;d</a:t>
+                      </a:r>
+                    </a:p>
+                  </a:txBody>
+                  <a:tcPr/>
+                </a:tc>
+                <a:tc>
+                  <a:txBody>
+                    <a:bodyPr/>
+                    <a:lstStyle/>
+                    <a:p>
+                      <a:r>
+                        <a:t>0</a:t>
+                      </a:r>
+                    </a:p>
+                  </a:txBody>
+                  <a:tcPr/>
+                </a:tc>
+                <a:tc>
+                  <a:txBody>
+                    <a:bodyPr/>
+                    <a:lstStyle/>
+                    <a:p>
+                      <a:r>
+                        <a:t>211</a:t>
+                      </a:r>
+                    </a:p>
+                  </a:txBody>
+                  <a:tcPr/>
+                </a:tc>
+                <a:tc>
+                  <a:txBody>
+                    <a:bodyPr/>
+                    <a:lstStyle/>
+                    <a:p>
+                      <a:r>
+                        <a:t>211</a:t>
+                      </a:r>
+                    </a:p>
+                  </a:txBody>
+                  <a:tcPr/>
+                </a:tc>
+              </a:tr>
+              <a:tr h="182880">
+                <a:tc>
+                  <a:txBody>
+                    <a:bodyPr/>
+                    <a:lstStyle/>
+                    <a:p>
+                      <a:r>
+                        <a:t>Seml</a:t>
+                      </a:r>
+                    </a:p>
+                  </a:txBody>
+                  <a:tcPr/>
+                </a:tc>
+                <a:tc>
+                  <a:txBody>
+                    <a:bodyPr/>
+                    <a:lstStyle/>
+                    <a:p>
+                      <a:r>
+                        <a:t>0</a:t>
+                      </a:r>
+                    </a:p>
+                  </a:txBody>
+                  <a:tcPr/>
+                </a:tc>
+                <a:tc>
+                  <a:txBody>
+                    <a:bodyPr/>
+                    <a:lstStyle/>
+                    <a:p>
+                      <a:r>
+                        <a:t>139</a:t>
+                      </a:r>
+                    </a:p>
+                  </a:txBody>
+                  <a:tcPr/>
+                </a:tc>
+                <a:tc>
+                  <a:txBody>
+                    <a:bodyPr/>
+                    <a:lstStyle/>
+                    <a:p>
+                      <a:r>
+                        <a:t>139</a:t>
+                      </a:r>
+                    </a:p>
+                  </a:txBody>
+                  <a:tcPr/>
+                </a:tc>
+              </a:tr>
+              <a:tr h="182880">
+                <a:tc>
+                  <a:txBody>
+                    <a:bodyPr/>
+                    <a:lstStyle/>
+                    <a:p>
+                      <a:r>
+                        <a:t>Total</a:t>
+                      </a:r>
+                    </a:p>
+                  </a:txBody>
+                  <a:tcPr/>
+                </a:tc>
+                <a:tc>
+                  <a:txBody>
+                    <a:bodyPr/>
+                    <a:lstStyle/>
+                    <a:p>
+                      <a:r>
+                        <a:t>2</a:t>
+                      </a:r>
+                    </a:p>
+                  </a:txBody>
+                  <a:tcPr/>
+                </a:tc>
+                <a:tc>
+                  <a:txBody>
+                    <a:bodyPr/>
+                    <a:lstStyle/>
+                    <a:p>
+                      <a:r>
+                        <a:t>3190</a:t>
+                      </a:r>
+                    </a:p>
+                  </a:txBody>
+                  <a:tcPr/>
+                </a:tc>
+                <a:tc>
+                  <a:txBody>
+                    <a:bodyPr/>
+                    <a:lstStyle/>
+                    <a:p>
+                      <a:r>
+                        <a:t>3192</a:t>
+                      </a:r>
+                    </a:p>
+                  </a:txBody>
+                  <a:tcPr/>
+                </a:tc>
+              </a:tr>
+            </a:tbl>
+          </a:graphicData>
+        </a:graphic>
+      </p:graphicFrame>
+    </p:spTree>
+  </p:cSld>
+  <p:clrMapOvr>
+    <a:masterClrMapping/>
+  </p:clrMapOvr>
+</p:sld>
+</file>
+
+<file path=ppt/slides/slide5.xml><?xml version="1.0" encoding="utf-8"?>
+<p:sld xmlns:a="http://schemas.openxmlformats.org/drawingml/2006/main" xmlns:p="http://schemas.openxmlformats.org/presentationml/2006/main" xmlns:r="http://schemas.openxmlformats.org/officeDocument/2006/relationships">
+  <p:cSld>
+    <p:spTree>
+      <p:nvGrpSpPr>
+        <p:cNvPr id="1" name=""/>
+        <p:cNvGrpSpPr/>
+        <p:nvPr/>
+      </p:nvGrpSpPr>
+      <p:grpSpPr/>
+      <p:sp>
+        <p:nvSpPr>
+          <p:cNvPr id="2" name="Title 1"/>
+          <p:cNvSpPr>
+            <a:spLocks noGrp="1"/>
+          </p:cNvSpPr>
+          <p:nvPr>
+            <p:ph type="title"/>
+          </p:nvPr>
+        </p:nvSpPr>
+        <p:spPr/>
+        <p:txBody>
+          <a:bodyPr/>
+          <a:lstStyle/>
+          <a:p>
+            <a:r>
+              <a:rPr sz="4400" b="1"/>
+              <a:t>Learn Status Continued</a:t>
+            </a:r>
+          </a:p>
+        </p:txBody>
+      </p:sp>
+      <p:pic>
+        <p:nvPicPr>
+          <p:cNvPr id="3" name="Picture 2" descr="SeekLogo.png"/>
+          <p:cNvPicPr>
+            <a:picLocks noChangeAspect="1"/>
+          </p:cNvPicPr>
+          <p:nvPr/>
+        </p:nvPicPr>
+        <p:blipFill>
+          <a:blip r:embed="rId2"/>
+          <a:stretch>
+            <a:fillRect/>
+          </a:stretch>
+        </p:blipFill>
+        <p:spPr>
+          <a:xfrm>
+            <a:off x="8293608" y="18288"/>
+            <a:ext cx="841248" cy="768096"/>
+          </a:xfrm>
+          <a:prstGeom prst="rect">
+            <a:avLst/>
+          </a:prstGeom>
+        </p:spPr>
+      </p:pic>
+      <p:graphicFrame>
+        <p:nvGraphicFramePr>
+          <p:cNvPr id="4" name="Table 3"/>
+          <p:cNvGraphicFramePr>
+            <a:graphicFrameLocks noGrp="1"/>
+          </p:cNvGraphicFramePr>
+          <p:nvPr/>
+        </p:nvGraphicFramePr>
+        <p:xfrm>
+          <a:off x="304495" y="1371600"/>
+          <a:ext cx="8686800" cy="1828800"/>
+        </p:xfrm>
+        <a:graphic>
+          <a:graphicData uri="http://schemas.openxmlformats.org/drawingml/2006/table">
+            <a:tbl>
+              <a:tblPr firstRow="1" bandRow="1">
+                <a:tableStyleId>{5C22544A-7EE6-4342-B048-85BDC9FD1C3A}</a:tableStyleId>
+              </a:tblPr>
+              <a:tblGrid>
+                <a:gridCol w="1447800"/>
+                <a:gridCol w="1447800"/>
+                <a:gridCol w="1447800"/>
+                <a:gridCol w="1447800"/>
+                <a:gridCol w="1447800"/>
+                <a:gridCol w="1447800"/>
+              </a:tblGrid>
+              <a:tr h="457200">
+                <a:tc>
+                  <a:txBody>
+                    <a:bodyPr/>
+                    <a:lstStyle/>
+                    <a:p/>
+                  </a:txBody>
+                  <a:tcPr/>
+                </a:tc>
+                <a:tc>
+                  <a:txBody>
+                    <a:bodyPr/>
+                    <a:lstStyle/>
+                    <a:p>
+                      <a:r>
+                        <a:t>Active Listening</a:t>
+                      </a:r>
+                    </a:p>
+                  </a:txBody>
+                  <a:tcPr/>
+                </a:tc>
+                <a:tc>
+                  <a:txBody>
+                    <a:bodyPr/>
+                    <a:lstStyle/>
+                    <a:p>
+                      <a:r>
+                        <a:t>Coping with Change</a:t>
+                      </a:r>
+                    </a:p>
+                  </a:txBody>
+                  <a:tcPr/>
+                </a:tc>
+                <a:tc>
+                  <a:txBody>
+                    <a:bodyPr/>
+                    <a:lstStyle/>
+                    <a:p>
+                      <a:r>
+                        <a:t>Dealing with Crises</a:t>
+                      </a:r>
+                    </a:p>
+                  </a:txBody>
+                  <a:tcPr/>
+                </a:tc>
+                <a:tc>
+                  <a:txBody>
+                    <a:bodyPr/>
+                    <a:lstStyle/>
+                    <a:p>
+                      <a:r>
+                        <a:t>Excellence</a:t>
+                      </a:r>
+                    </a:p>
+                  </a:txBody>
+                  <a:tcPr/>
+                </a:tc>
+                <a:tc>
+                  <a:txBody>
+                    <a:bodyPr/>
+                    <a:lstStyle/>
+                    <a:p>
+                      <a:r>
+                        <a:t>Feedback Skills</a:t>
+                      </a:r>
+                    </a:p>
+                  </a:txBody>
+                  <a:tcPr/>
+                </a:tc>
+              </a:tr>
+              <a:tr h="457200">
+                <a:tc>
+                  <a:txBody>
+                    <a:bodyPr/>
+                    <a:lstStyle/>
+                    <a:p>
+                      <a:r>
+                        <a:t>Ucl</a:t>
+                      </a:r>
+                    </a:p>
+                  </a:txBody>
+                  <a:tcPr/>
+                </a:tc>
+                <a:tc>
+                  <a:txBody>
+                    <a:bodyPr/>
+                    <a:lstStyle/>
+                    <a:p>
+                      <a:r>
+                        <a:t>0</a:t>
+                      </a:r>
+                    </a:p>
+                  </a:txBody>
+                  <a:tcPr/>
+                </a:tc>
+                <a:tc>
+                  <a:txBody>
+                    <a:bodyPr/>
+                    <a:lstStyle/>
+                    <a:p>
+                      <a:r>
+                        <a:t>0</a:t>
+                      </a:r>
+                    </a:p>
+                  </a:txBody>
+                  <a:tcPr/>
+                </a:tc>
+                <a:tc>
+                  <a:txBody>
+                    <a:bodyPr/>
+                    <a:lstStyle/>
+                    <a:p>
+                      <a:r>
+                        <a:t>0</a:t>
+                      </a:r>
+                    </a:p>
+                  </a:txBody>
+                  <a:tcPr/>
+                </a:tc>
+                <a:tc>
+                  <a:txBody>
+                    <a:bodyPr/>
+                    <a:lstStyle/>
+                    <a:p>
+                      <a:r>
+                        <a:t>0</a:t>
+                      </a:r>
+                    </a:p>
+                  </a:txBody>
+                  <a:tcPr/>
+                </a:tc>
+                <a:tc>
+                  <a:txBody>
+                    <a:bodyPr/>
+                    <a:lstStyle/>
+                    <a:p>
+                      <a:r>
+                        <a:t>0</a:t>
+                      </a:r>
+                    </a:p>
+                  </a:txBody>
+                  <a:tcPr/>
+                </a:tc>
+              </a:tr>
+              <a:tr h="457200">
+                <a:tc>
+                  <a:txBody>
+                    <a:bodyPr/>
+                    <a:lstStyle/>
+                    <a:p>
+                      <a:r>
+                        <a:t>Spg</a:t>
+                      </a:r>
+                    </a:p>
+                  </a:txBody>
+                  <a:tcPr/>
+                </a:tc>
+                <a:tc>
+                  <a:txBody>
+                    <a:bodyPr/>
+                    <a:lstStyle/>
+                    <a:p>
+                      <a:r>
+                        <a:t>0</a:t>
+                      </a:r>
+                    </a:p>
+                  </a:txBody>
+                  <a:tcPr/>
+                </a:tc>
+                <a:tc>
+                  <a:txBody>
+                    <a:bodyPr/>
+                    <a:lstStyle/>
+                    <a:p>
+                      <a:r>
+                        <a:t>0</a:t>
+                      </a:r>
+                    </a:p>
+                  </a:txBody>
+                  <a:tcPr/>
+                </a:tc>
+                <a:tc>
+                  <a:txBody>
+                    <a:bodyPr/>
+                    <a:lstStyle/>
+                    <a:p>
+                      <a:r>
+                        <a:t>0</a:t>
+                      </a:r>
+                    </a:p>
+                  </a:txBody>
+                  <a:tcPr/>
+                </a:tc>
+                <a:tc>
+                  <a:txBody>
+                    <a:bodyPr/>
+                    <a:lstStyle/>
+                    <a:p>
+                      <a:r>
+                        <a:t>0</a:t>
+                      </a:r>
+                    </a:p>
+                  </a:txBody>
+                  <a:tcPr/>
+                </a:tc>
+                <a:tc>
+                  <a:txBody>
+                    <a:bodyPr/>
+                    <a:lstStyle/>
+                    <a:p>
+                      <a:r>
+                        <a:t>0</a:t>
+                      </a:r>
+                    </a:p>
+                  </a:txBody>
+                  <a:tcPr/>
+                </a:tc>
+              </a:tr>
+              <a:tr h="457200">
+                <a:tc>
+                  <a:txBody>
+                    <a:bodyPr/>
+                    <a:lstStyle/>
+                    <a:p>
+                      <a:r>
+                        <a:t>Total</a:t>
+                      </a:r>
+                    </a:p>
+                  </a:txBody>
+                  <a:tcPr/>
+                </a:tc>
+                <a:tc>
+                  <a:txBody>
+                    <a:bodyPr/>
+                    <a:lstStyle/>
+                    <a:p>
+                      <a:r>
+                        <a:t>0</a:t>
+                      </a:r>
+                    </a:p>
+                  </a:txBody>
+                  <a:tcPr/>
+                </a:tc>
+                <a:tc>
+                  <a:txBody>
+                    <a:bodyPr/>
+                    <a:lstStyle/>
+                    <a:p>
+                      <a:r>
+                        <a:t>0</a:t>
+                      </a:r>
+                    </a:p>
+                  </a:txBody>
+                  <a:tcPr/>
+                </a:tc>
+                <a:tc>
+                  <a:txBody>
+                    <a:bodyPr/>
+                    <a:lstStyle/>
+                    <a:p>
+                      <a:r>
+                        <a:t>0</a:t>
+                      </a:r>
+                    </a:p>
+                  </a:txBody>
+                  <a:tcPr/>
+                </a:tc>
+                <a:tc>
+                  <a:txBody>
+                    <a:bodyPr/>
+                    <a:lstStyle/>
+                    <a:p>
+                      <a:r>
+                        <a:t>0</a:t>
+                      </a:r>
+                    </a:p>
+                  </a:txBody>
+                  <a:tcPr/>
+                </a:tc>
+                <a:tc>
+                  <a:txBody>
+                    <a:bodyPr/>
+                    <a:lstStyle/>
+                    <a:p>
+                      <a:r>
+                        <a:t>0</a:t>
+                      </a:r>
+                    </a:p>
+                  </a:txBody>
+                  <a:tcPr/>
+                </a:tc>
+              </a:tr>
+            </a:tbl>
+          </a:graphicData>
+        </a:graphic>
+      </p:graphicFrame>
+    </p:spTree>
+  </p:cSld>
+  <p:clrMapOvr>
+    <a:masterClrMapping/>
+  </p:clrMapOvr>
+</p:sld>
+</file>
+
+<file path=ppt/slides/slide6.xml><?xml version="1.0" encoding="utf-8"?>
+<p:sld xmlns:a="http://schemas.openxmlformats.org/drawingml/2006/main" xmlns:p="http://schemas.openxmlformats.org/presentationml/2006/main" xmlns:r="http://schemas.openxmlformats.org/officeDocument/2006/relationships">
+  <p:cSld>
+    <p:spTree>
+      <p:nvGrpSpPr>
+        <p:cNvPr id="1" name=""/>
+        <p:cNvGrpSpPr/>
+        <p:nvPr/>
+      </p:nvGrpSpPr>
+      <p:grpSpPr/>
+      <p:sp>
+        <p:nvSpPr>
+          <p:cNvPr id="2" name="Title 1"/>
+          <p:cNvSpPr>
+            <a:spLocks noGrp="1"/>
+          </p:cNvSpPr>
+          <p:nvPr>
+            <p:ph type="title"/>
+          </p:nvPr>
+        </p:nvSpPr>
+        <p:spPr/>
+        <p:txBody>
+          <a:bodyPr/>
+          <a:lstStyle/>
+          <a:p>
+            <a:r>
+              <a:rPr sz="4400" b="1"/>
+              <a:t>Learn Status Continued</a:t>
+            </a:r>
+          </a:p>
+        </p:txBody>
+      </p:sp>
+      <p:pic>
+        <p:nvPicPr>
+          <p:cNvPr id="3" name="Picture 2" descr="SeekLogo.png"/>
+          <p:cNvPicPr>
+            <a:picLocks noChangeAspect="1"/>
+          </p:cNvPicPr>
+          <p:nvPr/>
+        </p:nvPicPr>
+        <p:blipFill>
+          <a:blip r:embed="rId2"/>
+          <a:stretch>
+            <a:fillRect/>
+          </a:stretch>
+        </p:blipFill>
+        <p:spPr>
+          <a:xfrm>
+            <a:off x="8293608" y="18288"/>
+            <a:ext cx="841248" cy="768096"/>
+          </a:xfrm>
+          <a:prstGeom prst="rect">
+            <a:avLst/>
+          </a:prstGeom>
+        </p:spPr>
+      </p:pic>
+      <p:graphicFrame>
+        <p:nvGraphicFramePr>
+          <p:cNvPr id="4" name="Table 3"/>
+          <p:cNvGraphicFramePr>
+            <a:graphicFrameLocks noGrp="1"/>
+          </p:cNvGraphicFramePr>
+          <p:nvPr/>
+        </p:nvGraphicFramePr>
+        <p:xfrm>
+          <a:off x="304495" y="1371600"/>
+          <a:ext cx="8686800" cy="1828800"/>
+        </p:xfrm>
+        <a:graphic>
+          <a:graphicData uri="http://schemas.openxmlformats.org/drawingml/2006/table">
+            <a:tbl>
+              <a:tblPr firstRow="1" bandRow="1">
+                <a:tableStyleId>{5C22544A-7EE6-4342-B048-85BDC9FD1C3A}</a:tableStyleId>
+              </a:tblPr>
+              <a:tblGrid>
+                <a:gridCol w="1447800"/>
+                <a:gridCol w="1447800"/>
+                <a:gridCol w="1447800"/>
+                <a:gridCol w="1447800"/>
+                <a:gridCol w="1447800"/>
+                <a:gridCol w="1447800"/>
+              </a:tblGrid>
+              <a:tr h="457200">
+                <a:tc>
+                  <a:txBody>
+                    <a:bodyPr/>
+                    <a:lstStyle/>
+                    <a:p/>
+                  </a:txBody>
+                  <a:tcPr/>
+                </a:tc>
+                <a:tc>
+                  <a:txBody>
+                    <a:bodyPr/>
+                    <a:lstStyle/>
+                    <a:p>
+                      <a:r>
+                        <a:t>First Impressions</a:t>
+                      </a:r>
+                    </a:p>
+                  </a:txBody>
+                  <a:tcPr/>
+                </a:tc>
+                <a:tc>
+                  <a:txBody>
+                    <a:bodyPr/>
+                    <a:lstStyle/>
+                    <a:p>
+                      <a:r>
+                        <a:t>Getting to Yes</a:t>
+                      </a:r>
+                    </a:p>
+                  </a:txBody>
+                  <a:tcPr/>
+                </a:tc>
+                <a:tc>
+                  <a:txBody>
+                    <a:bodyPr/>
+                    <a:lstStyle/>
+                    <a:p>
+                      <a:r>
+                        <a:t>Goal Setting</a:t>
+                      </a:r>
+                    </a:p>
+                  </a:txBody>
+                  <a:tcPr/>
+                </a:tc>
+                <a:tc>
+                  <a:txBody>
+                    <a:bodyPr/>
+                    <a:lstStyle/>
+                    <a:p>
+                      <a:r>
+                        <a:t>Gratitude For Success</a:t>
+                      </a:r>
+                    </a:p>
+                  </a:txBody>
+                  <a:tcPr/>
+                </a:tc>
+                <a:tc>
+                  <a:txBody>
+                    <a:bodyPr/>
+                    <a:lstStyle/>
+                    <a:p>
+                      <a:r>
+                        <a:t>Induction</a:t>
+                      </a:r>
+                    </a:p>
+                  </a:txBody>
+                  <a:tcPr/>
+                </a:tc>
+              </a:tr>
+              <a:tr h="457200">
+                <a:tc>
+                  <a:txBody>
+                    <a:bodyPr/>
+                    <a:lstStyle/>
+                    <a:p>
+                      <a:r>
+                        <a:t>Ucl</a:t>
+                      </a:r>
+                    </a:p>
+                  </a:txBody>
+                  <a:tcPr/>
+                </a:tc>
+                <a:tc>
+                  <a:txBody>
+                    <a:bodyPr/>
+                    <a:lstStyle/>
+                    <a:p>
+                      <a:r>
+                        <a:t>0</a:t>
+                      </a:r>
+                    </a:p>
+                  </a:txBody>
+                  <a:tcPr/>
+                </a:tc>
+                <a:tc>
+                  <a:txBody>
+                    <a:bodyPr/>
+                    <a:lstStyle/>
+                    <a:p>
+                      <a:r>
+                        <a:t>0</a:t>
+                      </a:r>
+                    </a:p>
+                  </a:txBody>
+                  <a:tcPr/>
+                </a:tc>
+                <a:tc>
+                  <a:txBody>
+                    <a:bodyPr/>
+                    <a:lstStyle/>
+                    <a:p>
+                      <a:r>
+                        <a:t>0</a:t>
+                      </a:r>
+                    </a:p>
+                  </a:txBody>
+                  <a:tcPr/>
+                </a:tc>
+                <a:tc>
+                  <a:txBody>
+                    <a:bodyPr/>
+                    <a:lstStyle/>
+                    <a:p>
+                      <a:r>
+                        <a:t>0</a:t>
+                      </a:r>
+                    </a:p>
+                  </a:txBody>
+                  <a:tcPr/>
+                </a:tc>
+                <a:tc>
+                  <a:txBody>
+                    <a:bodyPr/>
+                    <a:lstStyle/>
+                    <a:p>
+                      <a:r>
+                        <a:t>0</a:t>
+                      </a:r>
+                    </a:p>
+                  </a:txBody>
+                  <a:tcPr/>
+                </a:tc>
+              </a:tr>
+              <a:tr h="457200">
+                <a:tc>
+                  <a:txBody>
+                    <a:bodyPr/>
+                    <a:lstStyle/>
+                    <a:p>
+                      <a:r>
+                        <a:t>Spg</a:t>
+                      </a:r>
+                    </a:p>
+                  </a:txBody>
+                  <a:tcPr/>
+                </a:tc>
+                <a:tc>
+                  <a:txBody>
+                    <a:bodyPr/>
+                    <a:lstStyle/>
+                    <a:p>
+                      <a:r>
+                        <a:t>0</a:t>
+                      </a:r>
+                    </a:p>
+                  </a:txBody>
+                  <a:tcPr/>
+                </a:tc>
+                <a:tc>
+                  <a:txBody>
+                    <a:bodyPr/>
+                    <a:lstStyle/>
+                    <a:p>
+                      <a:r>
+                        <a:t>0</a:t>
+                      </a:r>
+                    </a:p>
+                  </a:txBody>
+                  <a:tcPr/>
+                </a:tc>
+                <a:tc>
+                  <a:txBody>
+                    <a:bodyPr/>
+                    <a:lstStyle/>
+                    <a:p>
+                      <a:r>
+                        <a:t>0</a:t>
+                      </a:r>
+                    </a:p>
+                  </a:txBody>
+                  <a:tcPr/>
+                </a:tc>
+                <a:tc>
+                  <a:txBody>
+                    <a:bodyPr/>
+                    <a:lstStyle/>
+                    <a:p>
+                      <a:r>
+                        <a:t>0</a:t>
+                      </a:r>
+                    </a:p>
+                  </a:txBody>
+                  <a:tcPr/>
+                </a:tc>
+                <a:tc>
+                  <a:txBody>
+                    <a:bodyPr/>
+                    <a:lstStyle/>
+                    <a:p>
+                      <a:r>
+                        <a:t>0</a:t>
+                      </a:r>
+                    </a:p>
+                  </a:txBody>
+                  <a:tcPr/>
+                </a:tc>
+              </a:tr>
+              <a:tr h="457200">
+                <a:tc>
+                  <a:txBody>
+                    <a:bodyPr/>
+                    <a:lstStyle/>
+                    <a:p>
+                      <a:r>
+                        <a:t>Total</a:t>
+                      </a:r>
+                    </a:p>
+                  </a:txBody>
+                  <a:tcPr/>
+                </a:tc>
+                <a:tc>
+                  <a:txBody>
+                    <a:bodyPr/>
+                    <a:lstStyle/>
+                    <a:p>
+                      <a:r>
+                        <a:t>0</a:t>
+                      </a:r>
+                    </a:p>
+                  </a:txBody>
+                  <a:tcPr/>
+                </a:tc>
+                <a:tc>
+                  <a:txBody>
+                    <a:bodyPr/>
+                    <a:lstStyle/>
+                    <a:p>
+                      <a:r>
+                        <a:t>0</a:t>
+                      </a:r>
+                    </a:p>
+                  </a:txBody>
+                  <a:tcPr/>
+                </a:tc>
+                <a:tc>
+                  <a:txBody>
+                    <a:bodyPr/>
+                    <a:lstStyle/>
+                    <a:p>
+                      <a:r>
+                        <a:t>0</a:t>
+                      </a:r>
+                    </a:p>
+                  </a:txBody>
+                  <a:tcPr/>
+                </a:tc>
+                <a:tc>
+                  <a:txBody>
+                    <a:bodyPr/>
+                    <a:lstStyle/>
+                    <a:p>
+                      <a:r>
+                        <a:t>0</a:t>
+                      </a:r>
+                    </a:p>
+                  </a:txBody>
+                  <a:tcPr/>
+                </a:tc>
+                <a:tc>
+                  <a:txBody>
+                    <a:bodyPr/>
+                    <a:lstStyle/>
+                    <a:p>
+                      <a:r>
+                        <a:t>0</a:t>
+                      </a:r>
+                    </a:p>
+                  </a:txBody>
+                  <a:tcPr/>
+                </a:tc>
+              </a:tr>
+            </a:tbl>
+          </a:graphicData>
+        </a:graphic>
+      </p:graphicFrame>
+    </p:spTree>
+  </p:cSld>
+  <p:clrMapOvr>
+    <a:masterClrMapping/>
+  </p:clrMapOvr>
+</p:sld>
+</file>
+
+<file path=ppt/slides/slide7.xml><?xml version="1.0" encoding="utf-8"?>
+<p:sld xmlns:a="http://schemas.openxmlformats.org/drawingml/2006/main" xmlns:p="http://schemas.openxmlformats.org/presentationml/2006/main" xmlns:r="http://schemas.openxmlformats.org/officeDocument/2006/relationships">
+  <p:cSld>
+    <p:spTree>
+      <p:nvGrpSpPr>
+        <p:cNvPr id="1" name=""/>
+        <p:cNvGrpSpPr/>
+        <p:nvPr/>
+      </p:nvGrpSpPr>
+      <p:grpSpPr/>
+      <p:sp>
+        <p:nvSpPr>
+          <p:cNvPr id="2" name="Title 1"/>
+          <p:cNvSpPr>
+            <a:spLocks noGrp="1"/>
+          </p:cNvSpPr>
+          <p:nvPr>
+            <p:ph type="title"/>
+          </p:nvPr>
+        </p:nvSpPr>
+        <p:spPr/>
+        <p:txBody>
+          <a:bodyPr/>
+          <a:lstStyle/>
+          <a:p>
+            <a:r>
+              <a:rPr sz="4400" b="1"/>
+              <a:t>Learn Status Continued</a:t>
+            </a:r>
+          </a:p>
+        </p:txBody>
+      </p:sp>
+      <p:pic>
+        <p:nvPicPr>
+          <p:cNvPr id="3" name="Picture 2" descr="SeekLogo.png"/>
+          <p:cNvPicPr>
+            <a:picLocks noChangeAspect="1"/>
+          </p:cNvPicPr>
+          <p:nvPr/>
+        </p:nvPicPr>
+        <p:blipFill>
+          <a:blip r:embed="rId2"/>
+          <a:stretch>
+            <a:fillRect/>
+          </a:stretch>
+        </p:blipFill>
+        <p:spPr>
+          <a:xfrm>
+            <a:off x="8293608" y="18288"/>
+            <a:ext cx="841248" cy="768096"/>
+          </a:xfrm>
+          <a:prstGeom prst="rect">
+            <a:avLst/>
+          </a:prstGeom>
+        </p:spPr>
+      </p:pic>
+      <p:graphicFrame>
+        <p:nvGraphicFramePr>
+          <p:cNvPr id="4" name="Table 3"/>
+          <p:cNvGraphicFramePr>
+            <a:graphicFrameLocks noGrp="1"/>
+          </p:cNvGraphicFramePr>
+          <p:nvPr/>
+        </p:nvGraphicFramePr>
+        <p:xfrm>
+          <a:off x="304495" y="1371600"/>
+          <a:ext cx="8686800" cy="1828800"/>
+        </p:xfrm>
+        <a:graphic>
+          <a:graphicData uri="http://schemas.openxmlformats.org/drawingml/2006/table">
+            <a:tbl>
+              <a:tblPr firstRow="1" bandRow="1">
+                <a:tableStyleId>{5C22544A-7EE6-4342-B048-85BDC9FD1C3A}</a:tableStyleId>
+              </a:tblPr>
+              <a:tblGrid>
+                <a:gridCol w="1447800"/>
+                <a:gridCol w="1447800"/>
+                <a:gridCol w="1447800"/>
+                <a:gridCol w="1447800"/>
+                <a:gridCol w="1447800"/>
+                <a:gridCol w="1447800"/>
+              </a:tblGrid>
+              <a:tr h="457200">
+                <a:tc>
+                  <a:txBody>
+                    <a:bodyPr/>
+                    <a:lstStyle/>
+                    <a:p/>
+                  </a:txBody>
+                  <a:tcPr/>
+                </a:tc>
+                <a:tc>
+                  <a:txBody>
+                    <a:bodyPr/>
+                    <a:lstStyle/>
+                    <a:p>
+                      <a:r>
+                        <a:t>Ken Blanchard's Balances Work And Life</a:t>
+                      </a:r>
+                    </a:p>
+                  </a:txBody>
+                  <a:tcPr/>
+                </a:tc>
+                <a:tc>
+                  <a:txBody>
+                    <a:bodyPr/>
+                    <a:lstStyle/>
+                    <a:p>
+                      <a:r>
+                        <a:t>Leaders and Leadership Styles</a:t>
+                      </a:r>
+                    </a:p>
+                  </a:txBody>
+                  <a:tcPr/>
+                </a:tc>
+                <a:tc>
+                  <a:txBody>
+                    <a:bodyPr/>
+                    <a:lstStyle/>
+                    <a:p>
+                      <a:r>
+                        <a:t>Listening Skills - CPD</a:t>
+                      </a:r>
+                    </a:p>
+                  </a:txBody>
+                  <a:tcPr/>
+                </a:tc>
+                <a:tc>
+                  <a:txBody>
+                    <a:bodyPr/>
+                    <a:lstStyle/>
+                    <a:p>
+                      <a:r>
+                        <a:t>Managing Oneself</a:t>
+                      </a:r>
+                    </a:p>
+                  </a:txBody>
+                  <a:tcPr/>
+                </a:tc>
+                <a:tc>
+                  <a:txBody>
+                    <a:bodyPr/>
+                    <a:lstStyle/>
+                    <a:p>
+                      <a:r>
+                        <a:t>Negotiation</a:t>
+                      </a:r>
+                    </a:p>
+                  </a:txBody>
+                  <a:tcPr/>
+                </a:tc>
+              </a:tr>
+              <a:tr h="457200">
+                <a:tc>
+                  <a:txBody>
+                    <a:bodyPr/>
+                    <a:lstStyle/>
+                    <a:p>
+                      <a:r>
+                        <a:t>Ucl</a:t>
+                      </a:r>
+                    </a:p>
+                  </a:txBody>
+                  <a:tcPr/>
+                </a:tc>
+                <a:tc>
+                  <a:txBody>
+                    <a:bodyPr/>
+                    <a:lstStyle/>
+                    <a:p>
+                      <a:r>
+                        <a:t>4</a:t>
+                      </a:r>
+                    </a:p>
+                  </a:txBody>
+                  <a:tcPr/>
+                </a:tc>
+                <a:tc>
+                  <a:txBody>
+                    <a:bodyPr/>
+                    <a:lstStyle/>
+                    <a:p>
+                      <a:r>
+                        <a:t>0</a:t>
+                      </a:r>
+                    </a:p>
+                  </a:txBody>
+                  <a:tcPr/>
+                </a:tc>
+                <a:tc>
+                  <a:txBody>
+                    <a:bodyPr/>
+                    <a:lstStyle/>
+                    <a:p>
+                      <a:r>
+                        <a:t>0</a:t>
+                      </a:r>
+                    </a:p>
+                  </a:txBody>
+                  <a:tcPr/>
+                </a:tc>
+                <a:tc>
+                  <a:txBody>
+                    <a:bodyPr/>
+                    <a:lstStyle/>
+                    <a:p>
+                      <a:r>
+                        <a:t>0</a:t>
+                      </a:r>
+                    </a:p>
+                  </a:txBody>
+                  <a:tcPr/>
+                </a:tc>
+                <a:tc>
+                  <a:txBody>
+                    <a:bodyPr/>
+                    <a:lstStyle/>
+                    <a:p>
+                      <a:r>
+                        <a:t>0</a:t>
+                      </a:r>
+                    </a:p>
+                  </a:txBody>
+                  <a:tcPr/>
+                </a:tc>
+              </a:tr>
+              <a:tr h="457200">
+                <a:tc>
+                  <a:txBody>
+                    <a:bodyPr/>
+                    <a:lstStyle/>
+                    <a:p>
+                      <a:r>
+                        <a:t>Spg</a:t>
+                      </a:r>
+                    </a:p>
+                  </a:txBody>
+                  <a:tcPr/>
+                </a:tc>
+                <a:tc>
+                  <a:txBody>
+                    <a:bodyPr/>
+                    <a:lstStyle/>
+                    <a:p>
+                      <a:r>
+                        <a:t>0</a:t>
+                      </a:r>
+                    </a:p>
+                  </a:txBody>
+                  <a:tcPr/>
+                </a:tc>
+                <a:tc>
+                  <a:txBody>
+                    <a:bodyPr/>
+                    <a:lstStyle/>
+                    <a:p>
+                      <a:r>
+                        <a:t>0</a:t>
+                      </a:r>
+                    </a:p>
+                  </a:txBody>
+                  <a:tcPr/>
+                </a:tc>
+                <a:tc>
+                  <a:txBody>
+                    <a:bodyPr/>
+                    <a:lstStyle/>
+                    <a:p>
+                      <a:r>
+                        <a:t>0</a:t>
+                      </a:r>
+                    </a:p>
+                  </a:txBody>
+                  <a:tcPr/>
+                </a:tc>
+                <a:tc>
+                  <a:txBody>
+                    <a:bodyPr/>
+                    <a:lstStyle/>
+                    <a:p>
+                      <a:r>
+                        <a:t>0</a:t>
+                      </a:r>
+                    </a:p>
+                  </a:txBody>
+                  <a:tcPr/>
+                </a:tc>
+                <a:tc>
+                  <a:txBody>
+                    <a:bodyPr/>
+                    <a:lstStyle/>
+                    <a:p>
+                      <a:r>
+                        <a:t>0</a:t>
+                      </a:r>
+                    </a:p>
+                  </a:txBody>
+                  <a:tcPr/>
+                </a:tc>
+              </a:tr>
+              <a:tr h="457200">
+                <a:tc>
+                  <a:txBody>
+                    <a:bodyPr/>
+                    <a:lstStyle/>
+                    <a:p>
+                      <a:r>
+                        <a:t>Total</a:t>
+                      </a:r>
+                    </a:p>
+                  </a:txBody>
+                  <a:tcPr/>
+                </a:tc>
+                <a:tc>
+                  <a:txBody>
+                    <a:bodyPr/>
+                    <a:lstStyle/>
+                    <a:p>
+                      <a:r>
+                        <a:t>4</a:t>
+                      </a:r>
+                    </a:p>
+                  </a:txBody>
+                  <a:tcPr/>
+                </a:tc>
+                <a:tc>
+                  <a:txBody>
+                    <a:bodyPr/>
+                    <a:lstStyle/>
+                    <a:p>
+                      <a:r>
+                        <a:t>0</a:t>
+                      </a:r>
+                    </a:p>
+                  </a:txBody>
+                  <a:tcPr/>
+                </a:tc>
+                <a:tc>
+                  <a:txBody>
+                    <a:bodyPr/>
+                    <a:lstStyle/>
+                    <a:p>
+                      <a:r>
+                        <a:t>0</a:t>
+                      </a:r>
+                    </a:p>
+                  </a:txBody>
+                  <a:tcPr/>
+                </a:tc>
+                <a:tc>
+                  <a:txBody>
+                    <a:bodyPr/>
+                    <a:lstStyle/>
+                    <a:p>
+                      <a:r>
+                        <a:t>0</a:t>
+                      </a:r>
+                    </a:p>
+                  </a:txBody>
+                  <a:tcPr/>
+                </a:tc>
+                <a:tc>
+                  <a:txBody>
+                    <a:bodyPr/>
+                    <a:lstStyle/>
+                    <a:p>
+                      <a:r>
+                        <a:t>0</a:t>
+                      </a:r>
+                    </a:p>
+                  </a:txBody>
+                  <a:tcPr/>
+                </a:tc>
+              </a:tr>
+            </a:tbl>
+          </a:graphicData>
+        </a:graphic>
+      </p:graphicFrame>
+    </p:spTree>
+  </p:cSld>
+  <p:clrMapOvr>
+    <a:masterClrMapping/>
+  </p:clrMapOvr>
+</p:sld>
+</file>
+
+<file path=ppt/slides/slide8.xml><?xml version="1.0" encoding="utf-8"?>
+<p:sld xmlns:a="http://schemas.openxmlformats.org/drawingml/2006/main" xmlns:p="http://schemas.openxmlformats.org/presentationml/2006/main" xmlns:r="http://schemas.openxmlformats.org/officeDocument/2006/relationships">
+  <p:cSld>
+    <p:spTree>
+      <p:nvGrpSpPr>
+        <p:cNvPr id="1" name=""/>
+        <p:cNvGrpSpPr/>
+        <p:nvPr/>
+      </p:nvGrpSpPr>
+      <p:grpSpPr/>
+      <p:sp>
+        <p:nvSpPr>
+          <p:cNvPr id="2" name="Title 1"/>
+          <p:cNvSpPr>
+            <a:spLocks noGrp="1"/>
+          </p:cNvSpPr>
+          <p:nvPr>
+            <p:ph type="title"/>
+          </p:nvPr>
+        </p:nvSpPr>
+        <p:spPr/>
+        <p:txBody>
+          <a:bodyPr/>
+          <a:lstStyle/>
+          <a:p>
+            <a:r>
+              <a:rPr sz="4400" b="1"/>
+              <a:t>Learn Status Continued</a:t>
+            </a:r>
+          </a:p>
+        </p:txBody>
+      </p:sp>
+      <p:pic>
+        <p:nvPicPr>
+          <p:cNvPr id="3" name="Picture 2" descr="SeekLogo.png"/>
+          <p:cNvPicPr>
+            <a:picLocks noChangeAspect="1"/>
+          </p:cNvPicPr>
+          <p:nvPr/>
+        </p:nvPicPr>
+        <p:blipFill>
+          <a:blip r:embed="rId2"/>
+          <a:stretch>
+            <a:fillRect/>
+          </a:stretch>
+        </p:blipFill>
+        <p:spPr>
+          <a:xfrm>
+            <a:off x="8293608" y="18288"/>
+            <a:ext cx="841248" cy="768096"/>
+          </a:xfrm>
+          <a:prstGeom prst="rect">
+            <a:avLst/>
+          </a:prstGeom>
+        </p:spPr>
+      </p:pic>
+      <p:graphicFrame>
+        <p:nvGraphicFramePr>
+          <p:cNvPr id="4" name="Table 3"/>
+          <p:cNvGraphicFramePr>
+            <a:graphicFrameLocks noGrp="1"/>
+          </p:cNvGraphicFramePr>
+          <p:nvPr/>
+        </p:nvGraphicFramePr>
+        <p:xfrm>
+          <a:off x="304495" y="1371600"/>
+          <a:ext cx="8686800" cy="1828800"/>
+        </p:xfrm>
+        <a:graphic>
+          <a:graphicData uri="http://schemas.openxmlformats.org/drawingml/2006/table">
+            <a:tbl>
+              <a:tblPr firstRow="1" bandRow="1">
+                <a:tableStyleId>{5C22544A-7EE6-4342-B048-85BDC9FD1C3A}</a:tableStyleId>
+              </a:tblPr>
+              <a:tblGrid>
+                <a:gridCol w="2171700"/>
+                <a:gridCol w="2171700"/>
+                <a:gridCol w="2171700"/>
+                <a:gridCol w="2171700"/>
+              </a:tblGrid>
+              <a:tr h="457200">
+                <a:tc>
+                  <a:txBody>
+                    <a:bodyPr/>
+                    <a:lstStyle/>
+                    <a:p/>
+                  </a:txBody>
+                  <a:tcPr/>
+                </a:tc>
+                <a:tc>
+                  <a:txBody>
+                    <a:bodyPr/>
+                    <a:lstStyle/>
+                    <a:p>
+                      <a:r>
+                        <a:t>Situational Leadership</a:t>
+                      </a:r>
+                    </a:p>
+                  </a:txBody>
+                  <a:tcPr/>
+                </a:tc>
+                <a:tc>
+                  <a:txBody>
+                    <a:bodyPr/>
+                    <a:lstStyle/>
+                    <a:p>
+                      <a:r>
+                        <a:t>Not on Learn</a:t>
+                      </a:r>
+                    </a:p>
+                  </a:txBody>
+                  <a:tcPr/>
+                </a:tc>
+                <a:tc>
+                  <a:txBody>
+                    <a:bodyPr/>
+                    <a:lstStyle/>
+                    <a:p>
+                      <a:r>
+                        <a:t>Total</a:t>
+                      </a:r>
+                    </a:p>
+                  </a:txBody>
+                  <a:tcPr/>
+                </a:tc>
+              </a:tr>
+              <a:tr h="457200">
+                <a:tc>
+                  <a:txBody>
+                    <a:bodyPr/>
+                    <a:lstStyle/>
+                    <a:p>
+                      <a:r>
+                        <a:t>Ucl</a:t>
+                      </a:r>
+                    </a:p>
+                  </a:txBody>
+                  <a:tcPr/>
+                </a:tc>
+                <a:tc>
+                  <a:txBody>
+                    <a:bodyPr/>
+                    <a:lstStyle/>
+                    <a:p>
+                      <a:r>
+                        <a:t>0</a:t>
+                      </a:r>
+                    </a:p>
+                  </a:txBody>
+                  <a:tcPr/>
+                </a:tc>
+                <a:tc>
+                  <a:txBody>
+                    <a:bodyPr/>
+                    <a:lstStyle/>
+                    <a:p>
+                      <a:r>
+                        <a:t>286</a:t>
+                      </a:r>
+                    </a:p>
+                  </a:txBody>
+                  <a:tcPr/>
+                </a:tc>
+                <a:tc>
+                  <a:txBody>
+                    <a:bodyPr/>
+                    <a:lstStyle/>
+                    <a:p>
+                      <a:r>
+                        <a:t>286</a:t>
+                      </a:r>
+                    </a:p>
+                  </a:txBody>
+                  <a:tcPr/>
+                </a:tc>
+              </a:tr>
+              <a:tr h="457200">
+                <a:tc>
+                  <a:txBody>
+                    <a:bodyPr/>
+                    <a:lstStyle/>
+                    <a:p>
+                      <a:r>
+                        <a:t>Spg</a:t>
+                      </a:r>
+                    </a:p>
+                  </a:txBody>
+                  <a:tcPr/>
+                </a:tc>
+                <a:tc>
+                  <a:txBody>
+                    <a:bodyPr/>
+                    <a:lstStyle/>
+                    <a:p>
+                      <a:r>
+                        <a:t>0</a:t>
+                      </a:r>
+                    </a:p>
+                  </a:txBody>
+                  <a:tcPr/>
+                </a:tc>
+                <a:tc>
+                  <a:txBody>
+                    <a:bodyPr/>
+                    <a:lstStyle/>
+                    <a:p>
+                      <a:r>
+                        <a:t>16</a:t>
+                      </a:r>
+                    </a:p>
+                  </a:txBody>
+                  <a:tcPr/>
+                </a:tc>
+                <a:tc>
+                  <a:txBody>
+                    <a:bodyPr/>
+                    <a:lstStyle/>
+                    <a:p>
+                      <a:r>
+                        <a:t>16</a:t>
+                      </a:r>
+                    </a:p>
+                  </a:txBody>
+                  <a:tcPr/>
+                </a:tc>
+              </a:tr>
+              <a:tr h="457200">
+                <a:tc>
+                  <a:txBody>
+                    <a:bodyPr/>
+                    <a:lstStyle/>
+                    <a:p>
+                      <a:r>
+                        <a:t>Total</a:t>
+                      </a:r>
+                    </a:p>
+                  </a:txBody>
+                  <a:tcPr/>
+                </a:tc>
+                <a:tc>
+                  <a:txBody>
+                    <a:bodyPr/>
+                    <a:lstStyle/>
+                    <a:p>
+                      <a:r>
+                        <a:t>0</a:t>
+                      </a:r>
+                    </a:p>
+                  </a:txBody>
+                  <a:tcPr/>
+                </a:tc>
+                <a:tc>
+                  <a:txBody>
+                    <a:bodyPr/>
+                    <a:lstStyle/>
+                    <a:p>
+                      <a:r>
+                        <a:t>3192</a:t>
+                      </a:r>
+                    </a:p>
+                  </a:txBody>
+                  <a:tcPr/>
+                </a:tc>
+                <a:tc>
+                  <a:txBody>
+                    <a:bodyPr/>
+                    <a:lstStyle/>
+                    <a:p>
+                      <a:r>
+                        <a:t>3192</a:t>
+                      </a:r>
+                    </a:p>
+                  </a:txBody>
+                  <a:tcPr/>
+                </a:tc>
+              </a:tr>
+            </a:tbl>
+          </a:graphicData>
+        </a:graphic>
+      </p:graphicFrame>
     </p:spTree>
   </p:cSld>
   <p:clrMapOvr>
